--- a/lessons/2_triangle/ppt/WebGPU介绍和使用光栅化管线绘制一个三角形.pptx
+++ b/lessons/2_triangle/ppt/WebGPU介绍和使用光栅化管线绘制一个三角形.pptx
@@ -5,10 +5,10 @@
     <p:sldMasterId id="2147483648" r:id="rId1"/>
   </p:sldMasterIdLst>
   <p:notesMasterIdLst>
-    <p:notesMasterId r:id="rId39"/>
+    <p:notesMasterId r:id="rId40"/>
   </p:notesMasterIdLst>
   <p:handoutMasterIdLst>
-    <p:handoutMasterId r:id="rId40"/>
+    <p:handoutMasterId r:id="rId41"/>
   </p:handoutMasterIdLst>
   <p:sldIdLst>
     <p:sldId id="307" r:id="rId2"/>
@@ -31,28 +31,29 @@
     <p:sldId id="395" r:id="rId19"/>
     <p:sldId id="403" r:id="rId20"/>
     <p:sldId id="404" r:id="rId21"/>
-    <p:sldId id="333" r:id="rId22"/>
-    <p:sldId id="424" r:id="rId23"/>
-    <p:sldId id="354" r:id="rId24"/>
-    <p:sldId id="378" r:id="rId25"/>
-    <p:sldId id="382" r:id="rId26"/>
-    <p:sldId id="407" r:id="rId27"/>
-    <p:sldId id="406" r:id="rId28"/>
-    <p:sldId id="426" r:id="rId29"/>
-    <p:sldId id="388" r:id="rId30"/>
-    <p:sldId id="399" r:id="rId31"/>
-    <p:sldId id="400" r:id="rId32"/>
-    <p:sldId id="314" r:id="rId33"/>
-    <p:sldId id="409" r:id="rId34"/>
-    <p:sldId id="410" r:id="rId35"/>
-    <p:sldId id="425" r:id="rId36"/>
-    <p:sldId id="420" r:id="rId37"/>
-    <p:sldId id="316" r:id="rId38"/>
+    <p:sldId id="427" r:id="rId22"/>
+    <p:sldId id="333" r:id="rId23"/>
+    <p:sldId id="424" r:id="rId24"/>
+    <p:sldId id="354" r:id="rId25"/>
+    <p:sldId id="378" r:id="rId26"/>
+    <p:sldId id="382" r:id="rId27"/>
+    <p:sldId id="407" r:id="rId28"/>
+    <p:sldId id="406" r:id="rId29"/>
+    <p:sldId id="426" r:id="rId30"/>
+    <p:sldId id="388" r:id="rId31"/>
+    <p:sldId id="399" r:id="rId32"/>
+    <p:sldId id="400" r:id="rId33"/>
+    <p:sldId id="314" r:id="rId34"/>
+    <p:sldId id="409" r:id="rId35"/>
+    <p:sldId id="410" r:id="rId36"/>
+    <p:sldId id="425" r:id="rId37"/>
+    <p:sldId id="420" r:id="rId38"/>
+    <p:sldId id="316" r:id="rId39"/>
   </p:sldIdLst>
   <p:sldSz cx="12192000" cy="6858000"/>
   <p:notesSz cx="6858000" cy="9144000"/>
   <p:custDataLst>
-    <p:tags r:id="rId41"/>
+    <p:tags r:id="rId42"/>
   </p:custDataLst>
   <p:defaultTextStyle>
     <a:defPPr>
@@ -245,7 +246,7 @@
                 <a:latin typeface="微软雅黑" panose="020B0503020204020204" charset="-122"/>
                 <a:ea typeface="微软雅黑" panose="020B0503020204020204" charset="-122"/>
               </a:rPr>
-              <a:t>2022/11/28</a:t>
+              <a:t>2022/11/29</a:t>
             </a:fld>
             <a:endParaRPr lang="zh-CN" altLang="en-US">
               <a:latin typeface="微软雅黑" panose="020B0503020204020204" charset="-122"/>
@@ -428,7 +429,7 @@
           <a:p>
             <a:fld id="{1AC49D05-6128-4D0D-A32A-06A5E73B386C}" type="datetimeFigureOut">
               <a:rPr lang="zh-CN" altLang="en-US" smtClean="0"/>
-              <a:t>2022/11/28</a:t>
+              <a:t>2022/11/29</a:t>
             </a:fld>
             <a:endParaRPr lang="zh-CN" altLang="en-US"/>
           </a:p>
@@ -1043,7 +1044,7 @@
           <a:p>
             <a:fld id="{9EFD9D74-47D9-4702-A33C-335B63B48DBF}" type="datetimeFigureOut">
               <a:rPr lang="zh-CN" altLang="en-US" smtClean="0"/>
-              <a:t>2022/11/28</a:t>
+              <a:t>2022/11/29</a:t>
             </a:fld>
             <a:endParaRPr lang="zh-CN" altLang="en-US" dirty="0"/>
           </a:p>
@@ -1568,7 +1569,7 @@
           <a:p>
             <a:fld id="{760FBDFE-C587-4B4C-A407-44438C67B59E}" type="datetimeFigureOut">
               <a:rPr lang="zh-CN" altLang="en-US" smtClean="0"/>
-              <a:t>2022/11/28</a:t>
+              <a:t>2022/11/29</a:t>
             </a:fld>
             <a:endParaRPr lang="zh-CN" altLang="en-US"/>
           </a:p>
@@ -2316,7 +2317,7 @@
           <a:p>
             <a:fld id="{760FBDFE-C587-4B4C-A407-44438C67B59E}" type="datetimeFigureOut">
               <a:rPr lang="zh-CN" altLang="en-US" smtClean="0"/>
-              <a:t>2022/11/28</a:t>
+              <a:t>2022/11/29</a:t>
             </a:fld>
             <a:endParaRPr lang="zh-CN" altLang="en-US"/>
           </a:p>
@@ -2482,7 +2483,7 @@
           <a:p>
             <a:fld id="{760FBDFE-C587-4B4C-A407-44438C67B59E}" type="datetimeFigureOut">
               <a:rPr lang="zh-CN" altLang="en-US" smtClean="0"/>
-              <a:t>2022/11/28</a:t>
+              <a:t>2022/11/29</a:t>
             </a:fld>
             <a:endParaRPr lang="zh-CN" altLang="en-US"/>
           </a:p>
@@ -2596,7 +2597,7 @@
           <a:p>
             <a:fld id="{760FBDFE-C587-4B4C-A407-44438C67B59E}" type="datetimeFigureOut">
               <a:rPr lang="zh-CN" altLang="en-US" smtClean="0"/>
-              <a:t>2022/11/28</a:t>
+              <a:t>2022/11/29</a:t>
             </a:fld>
             <a:endParaRPr lang="zh-CN" altLang="en-US"/>
           </a:p>
@@ -2926,7 +2927,7 @@
           <a:p>
             <a:fld id="{9EFD9D74-47D9-4702-A33C-335B63B48DBF}" type="datetimeFigureOut">
               <a:rPr lang="zh-CN" altLang="en-US" smtClean="0"/>
-              <a:t>2022/11/28</a:t>
+              <a:t>2022/11/29</a:t>
             </a:fld>
             <a:endParaRPr lang="zh-CN" altLang="en-US" dirty="0"/>
           </a:p>
@@ -3235,7 +3236,7 @@
           <a:p>
             <a:fld id="{760FBDFE-C587-4B4C-A407-44438C67B59E}" type="datetimeFigureOut">
               <a:rPr lang="zh-CN" altLang="en-US" smtClean="0"/>
-              <a:t>2022/11/28</a:t>
+              <a:t>2022/11/29</a:t>
             </a:fld>
             <a:endParaRPr lang="zh-CN" altLang="en-US"/>
           </a:p>
@@ -3349,7 +3350,7 @@
           <a:p>
             <a:fld id="{760FBDFE-C587-4B4C-A407-44438C67B59E}" type="datetimeFigureOut">
               <a:rPr lang="zh-CN" altLang="en-US" smtClean="0"/>
-              <a:t>2022/11/28</a:t>
+              <a:t>2022/11/29</a:t>
             </a:fld>
             <a:endParaRPr lang="zh-CN" altLang="en-US"/>
           </a:p>
@@ -3587,7 +3588,7 @@
           <a:p>
             <a:fld id="{760FBDFE-C587-4B4C-A407-44438C67B59E}" type="datetimeFigureOut">
               <a:rPr lang="zh-CN" altLang="en-US" smtClean="0"/>
-              <a:t>2022/11/28</a:t>
+              <a:t>2022/11/29</a:t>
             </a:fld>
             <a:endParaRPr lang="zh-CN" altLang="en-US"/>
           </a:p>
@@ -3827,7 +3828,7 @@
           <a:p>
             <a:fld id="{82F288E0-7875-42C4-84C8-98DBBD3BF4D2}" type="datetimeFigureOut">
               <a:rPr lang="zh-CN" altLang="en-US" smtClean="0"/>
-              <a:t>2022/11/28</a:t>
+              <a:t>2022/11/29</a:t>
             </a:fld>
             <a:endParaRPr lang="zh-CN" altLang="en-US"/>
           </a:p>
@@ -4490,7 +4491,7 @@
           <a:p>
             <a:fld id="{760FBDFE-C587-4B4C-A407-44438C67B59E}" type="datetimeFigureOut">
               <a:rPr lang="zh-CN" altLang="en-US" smtClean="0"/>
-              <a:t>2022/11/28</a:t>
+              <a:t>2022/11/29</a:t>
             </a:fld>
             <a:endParaRPr lang="zh-CN" altLang="en-US"/>
           </a:p>
@@ -6223,38 +6224,35 @@
           <a:lstStyle/>
           <a:p>
             <a:r>
-              <a:rPr>
+              <a:rPr dirty="0">
                 <a:sym typeface="+mn-ea"/>
               </a:rPr>
               <a:t>主问题：</a:t>
             </a:r>
             <a:r>
-              <a:rPr lang="en-US">
+              <a:rPr lang="en-US" dirty="0" err="1">
                 <a:sym typeface="+mn-ea"/>
               </a:rPr>
               <a:t>WebGPU</a:t>
             </a:r>
             <a:r>
-              <a:rPr>
+              <a:rPr dirty="0">
                 <a:sym typeface="+mn-ea"/>
               </a:rPr>
               <a:t>和</a:t>
             </a:r>
             <a:r>
-              <a:rPr lang="en-US" altLang="zh-CN">
+              <a:rPr lang="en-US" altLang="zh-CN" dirty="0">
                 <a:sym typeface="+mn-ea"/>
               </a:rPr>
               <a:t>WebGL</a:t>
             </a:r>
             <a:r>
-              <a:rPr>
+              <a:rPr dirty="0">
                 <a:sym typeface="+mn-ea"/>
               </a:rPr>
               <a:t>是什么关系</a:t>
             </a:r>
-            <a:endParaRPr dirty="0">
-              <a:sym typeface="+mn-ea"/>
-            </a:endParaRPr>
           </a:p>
         </p:txBody>
       </p:sp>
@@ -6361,38 +6359,31 @@
           <a:p>
             <a:pPr lvl="0"/>
             <a:r>
-              <a:rPr lang="en-US" altLang="zh-CN"/>
+              <a:rPr lang="en-US" altLang="zh-CN" dirty="0"/>
               <a:t>WebGL</a:t>
             </a:r>
             <a:r>
-              <a:rPr lang="zh-CN" altLang="en-US"/>
+              <a:rPr lang="zh-CN" altLang="en-US" dirty="0"/>
               <a:t>是什么？</a:t>
             </a:r>
           </a:p>
           <a:p>
             <a:pPr lvl="0"/>
             <a:r>
-              <a:rPr lang="zh-CN" altLang="en-US"/>
+              <a:rPr lang="zh-CN" altLang="en-US" dirty="0"/>
               <a:t>它对应本地端的什么图形</a:t>
             </a:r>
             <a:r>
-              <a:rPr lang="en-US" altLang="zh-CN"/>
+              <a:rPr lang="en-US" altLang="zh-CN" dirty="0"/>
               <a:t>API</a:t>
             </a:r>
             <a:r>
-              <a:rPr lang="zh-CN" altLang="en-US"/>
-              <a:t>？</a:t>
-            </a:r>
-          </a:p>
-          <a:p>
-            <a:pPr lvl="0"/>
-            <a:r>
-              <a:rPr lang="zh-CN" altLang="en-US"/>
-              <a:t>它的版本是如何演进的？</a:t>
-            </a:r>
-          </a:p>
-          <a:p>
-            <a:endParaRPr lang="zh-CN" altLang="en-US"/>
+              <a:rPr lang="zh-CN" altLang="en-US" dirty="0"/>
+              <a:t>？它的版本是如何演进的？</a:t>
+            </a:r>
+          </a:p>
+          <a:p>
+            <a:endParaRPr lang="zh-CN" altLang="en-US" dirty="0"/>
           </a:p>
         </p:txBody>
       </p:sp>
@@ -6405,7 +6396,7 @@
         <p:spPr>
           <a:xfrm>
             <a:off x="6238875" y="1712595"/>
-            <a:ext cx="4543425" cy="368300"/>
+            <a:ext cx="4543425" cy="646331"/>
           </a:xfrm>
           <a:prstGeom prst="rect">
             <a:avLst/>
@@ -6419,29 +6410,32 @@
           <a:lstStyle/>
           <a:p>
             <a:r>
-              <a:rPr lang="zh-CN" altLang="en-US"/>
+              <a:rPr lang="zh-CN" altLang="en-US" dirty="0"/>
               <a:t>和</a:t>
             </a:r>
             <a:r>
-              <a:rPr lang="en-US" altLang="zh-CN"/>
+              <a:rPr lang="en-US" altLang="zh-CN" dirty="0" err="1"/>
               <a:t>WebGPU</a:t>
             </a:r>
             <a:r>
-              <a:rPr lang="zh-CN" altLang="en-US"/>
+              <a:rPr lang="zh-CN" altLang="en-US" dirty="0"/>
               <a:t>一样，都是</a:t>
             </a:r>
             <a:r>
-              <a:rPr lang="en-US" altLang="zh-CN"/>
+              <a:rPr lang="en-US" altLang="zh-CN" dirty="0"/>
               <a:t>Web</a:t>
             </a:r>
             <a:r>
-              <a:rPr lang="zh-CN" altLang="en-US"/>
+              <a:rPr lang="zh-CN" altLang="en-US" dirty="0"/>
               <a:t>端图形</a:t>
             </a:r>
             <a:r>
-              <a:rPr lang="en-US" altLang="zh-CN"/>
+              <a:rPr lang="en-US" altLang="zh-CN" dirty="0"/>
               <a:t>API</a:t>
             </a:r>
+          </a:p>
+          <a:p>
+            <a:endParaRPr lang="en-US" altLang="zh-CN" dirty="0"/>
           </a:p>
         </p:txBody>
       </p:sp>
@@ -6535,55 +6529,6 @@
                                           <p:spTgt spid="3">
                                             <p:txEl>
                                               <p:pRg st="1" end="1"/>
-                                            </p:txEl>
-                                          </p:spTgt>
-                                        </p:tgtEl>
-                                        <p:attrNameLst>
-                                          <p:attrName>style.visibility</p:attrName>
-                                        </p:attrNameLst>
-                                      </p:cBhvr>
-                                      <p:to>
-                                        <p:strVal val="visible"/>
-                                      </p:to>
-                                    </p:set>
-                                  </p:childTnLst>
-                                </p:cTn>
-                              </p:par>
-                            </p:childTnLst>
-                          </p:cTn>
-                        </p:par>
-                      </p:childTnLst>
-                    </p:cTn>
-                  </p:par>
-                  <p:par>
-                    <p:cTn id="11" fill="hold">
-                      <p:stCondLst>
-                        <p:cond delay="indefinite"/>
-                      </p:stCondLst>
-                      <p:childTnLst>
-                        <p:par>
-                          <p:cTn id="12" fill="hold">
-                            <p:stCondLst>
-                              <p:cond delay="0"/>
-                            </p:stCondLst>
-                            <p:childTnLst>
-                              <p:par>
-                                <p:cTn id="13" presetID="1" presetClass="entr" presetSubtype="0" fill="hold" nodeType="clickEffect">
-                                  <p:stCondLst>
-                                    <p:cond delay="0"/>
-                                  </p:stCondLst>
-                                  <p:childTnLst>
-                                    <p:set>
-                                      <p:cBhvr>
-                                        <p:cTn id="14" dur="1" fill="hold">
-                                          <p:stCondLst>
-                                            <p:cond delay="0"/>
-                                          </p:stCondLst>
-                                        </p:cTn>
-                                        <p:tgtEl>
-                                          <p:spTgt spid="3">
-                                            <p:txEl>
-                                              <p:pRg st="2" end="2"/>
                                             </p:txEl>
                                           </p:spTgt>
                                         </p:tgtEl>
@@ -6732,36 +6677,6 @@
       </p:pic>
       <p:sp>
         <p:nvSpPr>
-          <p:cNvPr id="2" name="文本框 1"/>
-          <p:cNvSpPr txBox="1"/>
-          <p:nvPr/>
-        </p:nvSpPr>
-        <p:spPr>
-          <a:xfrm>
-            <a:off x="8761730" y="2329815"/>
-            <a:ext cx="2959735" cy="1198880"/>
-          </a:xfrm>
-          <a:prstGeom prst="rect">
-            <a:avLst/>
-          </a:prstGeom>
-          <a:noFill/>
-        </p:spPr>
-        <p:txBody>
-          <a:bodyPr wrap="square" rtlCol="0">
-            <a:spAutoFit/>
-          </a:bodyPr>
-          <a:lstStyle/>
-          <a:p>
-            <a:pPr algn="l"/>
-            <a:r>
-              <a:rPr lang="zh-CN" altLang="en-US"/>
-              <a:t>浏览器封装了现代图形API（Dx12、Vulkan、Metal），提供给Web 3D程序员WebGPU API。</a:t>
-            </a:r>
-          </a:p>
-        </p:txBody>
-      </p:sp>
-      <p:sp>
-        <p:nvSpPr>
           <p:cNvPr id="3" name="标题 2"/>
           <p:cNvSpPr>
             <a:spLocks noGrp="1"/>
@@ -6835,24 +6750,24 @@
           <a:p>
             <a:pPr lvl="0"/>
             <a:r>
-              <a:rPr lang="en-US" altLang="zh-CN"/>
+              <a:rPr lang="en-US" altLang="zh-CN" dirty="0"/>
               <a:t>WebGL</a:t>
             </a:r>
             <a:r>
-              <a:rPr lang="zh-CN" altLang="en-US"/>
+              <a:rPr lang="zh-CN" altLang="en-US" dirty="0"/>
               <a:t>和</a:t>
             </a:r>
             <a:r>
-              <a:rPr lang="en-US" altLang="zh-CN"/>
+              <a:rPr lang="en-US" altLang="zh-CN" dirty="0" err="1"/>
               <a:t>WebGPU</a:t>
             </a:r>
             <a:r>
-              <a:rPr lang="zh-CN" altLang="en-US"/>
+              <a:rPr lang="zh-CN" altLang="en-US" dirty="0"/>
               <a:t>相比有什么区别？</a:t>
             </a:r>
           </a:p>
           <a:p>
-            <a:endParaRPr lang="zh-CN" altLang="en-US"/>
+            <a:endParaRPr lang="zh-CN" altLang="en-US" dirty="0"/>
           </a:p>
         </p:txBody>
       </p:sp>
@@ -6917,51 +6832,6 @@
                       </p:childTnLst>
                     </p:cTn>
                   </p:par>
-                  <p:par>
-                    <p:cTn id="7" fill="hold">
-                      <p:stCondLst>
-                        <p:cond delay="indefinite"/>
-                      </p:stCondLst>
-                      <p:childTnLst>
-                        <p:par>
-                          <p:cTn id="8" fill="hold">
-                            <p:stCondLst>
-                              <p:cond delay="0"/>
-                            </p:stCondLst>
-                            <p:childTnLst>
-                              <p:par>
-                                <p:cTn id="9" presetID="1" presetClass="entr" presetSubtype="0" fill="hold" grpId="0" nodeType="clickEffect">
-                                  <p:stCondLst>
-                                    <p:cond delay="0"/>
-                                  </p:stCondLst>
-                                  <p:childTnLst>
-                                    <p:set>
-                                      <p:cBhvr>
-                                        <p:cTn id="10" dur="1" fill="hold">
-                                          <p:stCondLst>
-                                            <p:cond delay="0"/>
-                                          </p:stCondLst>
-                                        </p:cTn>
-                                        <p:tgtEl>
-                                          <p:spTgt spid="2"/>
-                                        </p:tgtEl>
-                                        <p:attrNameLst>
-                                          <p:attrName>style.visibility</p:attrName>
-                                        </p:attrNameLst>
-                                      </p:cBhvr>
-                                      <p:to>
-                                        <p:strVal val="visible"/>
-                                      </p:to>
-                                    </p:set>
-                                  </p:childTnLst>
-                                </p:cTn>
-                              </p:par>
-                            </p:childTnLst>
-                          </p:cTn>
-                        </p:par>
-                      </p:childTnLst>
-                    </p:cTn>
-                  </p:par>
                 </p:childTnLst>
               </p:cTn>
               <p:prevCondLst>
@@ -6983,10 +6853,6 @@
         </p:cTn>
       </p:par>
     </p:tnLst>
-    <p:bldLst>
-      <p:bldP spid="2" grpId="0"/>
-      <p:bldP spid="2" grpId="1"/>
-    </p:bldLst>
   </p:timing>
 </p:sld>
 </file>
@@ -7142,23 +7008,26 @@
               <a:buChar char="•"/>
             </a:pPr>
             <a:r>
-              <a:rPr>
+              <a:rPr dirty="0" err="1">
                 <a:sym typeface="+mn-ea"/>
               </a:rPr>
               <a:t>WebGPU提供了对</a:t>
             </a:r>
             <a:r>
-              <a:rPr lang="en-US" altLang="zh-CN">
+              <a:rPr lang="en-US" altLang="zh-CN" dirty="0" err="1">
                 <a:sym typeface="+mn-ea"/>
               </a:rPr>
               <a:t>GPU</a:t>
             </a:r>
             <a:r>
-              <a:rPr>
+              <a:rPr dirty="0" err="1">
                 <a:sym typeface="+mn-ea"/>
               </a:rPr>
               <a:t>更大范围地控制，从而能提高性能</a:t>
             </a:r>
+            <a:endParaRPr dirty="0">
+              <a:sym typeface="+mn-ea"/>
+            </a:endParaRPr>
           </a:p>
           <a:p>
             <a:pPr marL="285750" indent="-285750">
@@ -7166,18 +7035,18 @@
               <a:buChar char="•"/>
             </a:pPr>
             <a:r>
-              <a:rPr lang="en-US" altLang="zh-CN">
+              <a:rPr lang="en-US" altLang="zh-CN" dirty="0" err="1">
                 <a:sym typeface="+mn-ea"/>
               </a:rPr>
               <a:t>WebGPU</a:t>
             </a:r>
             <a:r>
-              <a:rPr>
+              <a:rPr dirty="0" err="1">
                 <a:sym typeface="+mn-ea"/>
               </a:rPr>
               <a:t>更好地支持多线程</a:t>
             </a:r>
-            <a:endParaRPr lang="zh-CN" altLang="en-US"/>
+            <a:endParaRPr lang="zh-CN" altLang="en-US" dirty="0"/>
           </a:p>
           <a:p>
             <a:pPr marL="285750" indent="-285750">
@@ -7185,24 +7054,30 @@
               <a:buChar char="•"/>
             </a:pPr>
             <a:r>
-              <a:rPr>
+              <a:rPr dirty="0" err="1">
                 <a:sym typeface="+mn-ea"/>
               </a:rPr>
               <a:t>WebGPU支持</a:t>
             </a:r>
             <a:r>
-              <a:rPr lang="zh-CN" altLang="en-US">
+              <a:rPr lang="zh-CN" altLang="en-US" dirty="0">
                 <a:sym typeface="+mn-ea"/>
               </a:rPr>
               <a:t>计算管线</a:t>
             </a:r>
             <a:r>
-              <a:rPr>
-                <a:sym typeface="+mn-ea"/>
-              </a:rPr>
-              <a:t>，从而让程序员能使用GPU进行计算</a:t>
-            </a:r>
-            <a:endParaRPr lang="zh-CN" altLang="en-US"/>
+              <a:rPr dirty="0">
+                <a:sym typeface="+mn-ea"/>
+              </a:rPr>
+              <a:t>，</a:t>
+            </a:r>
+            <a:r>
+              <a:rPr dirty="0" err="1">
+                <a:sym typeface="+mn-ea"/>
+              </a:rPr>
+              <a:t>从而让程序员能使用GPU进行计算</a:t>
+            </a:r>
+            <a:endParaRPr lang="zh-CN" altLang="en-US" dirty="0"/>
           </a:p>
           <a:p>
             <a:pPr marL="285750" indent="-285750">
@@ -7210,12 +7085,12 @@
               <a:buChar char="•"/>
             </a:pPr>
             <a:r>
-              <a:rPr>
+              <a:rPr dirty="0">
                 <a:sym typeface="+mn-ea"/>
               </a:rPr>
               <a:t>WebGPU与WebGL2的区别很大，两者不容易兼容。如果要从WebGL1升级，最好直接升级到WebGPU，一劳永逸</a:t>
             </a:r>
-            <a:endParaRPr lang="zh-CN" altLang="en-US"/>
+            <a:endParaRPr lang="zh-CN" altLang="en-US" dirty="0"/>
           </a:p>
           <a:p>
             <a:pPr marL="285750" indent="-285750">
@@ -7223,27 +7098,27 @@
               <a:buChar char="•"/>
             </a:pPr>
             <a:r>
-              <a:rPr>
+              <a:rPr dirty="0">
                 <a:sym typeface="+mn-ea"/>
               </a:rPr>
               <a:t>各大浏览器都会支持WebGPU，而</a:t>
             </a:r>
             <a:r>
-              <a:rPr lang="en-US" altLang="zh-CN">
+              <a:rPr lang="en-US" altLang="zh-CN" dirty="0">
                 <a:sym typeface="+mn-ea"/>
               </a:rPr>
               <a:t>IOS</a:t>
             </a:r>
             <a:r>
-              <a:rPr>
+              <a:rPr dirty="0">
                 <a:sym typeface="+mn-ea"/>
               </a:rPr>
               <a:t>不支持WebGL2</a:t>
             </a:r>
-            <a:endParaRPr lang="zh-CN" altLang="en-US"/>
-          </a:p>
-          <a:p>
-            <a:endParaRPr lang="zh-CN" altLang="en-US"/>
+            <a:endParaRPr lang="zh-CN" altLang="en-US" dirty="0"/>
+          </a:p>
+          <a:p>
+            <a:endParaRPr lang="zh-CN" altLang="en-US" dirty="0"/>
           </a:p>
         </p:txBody>
       </p:sp>
@@ -7370,13 +7245,13 @@
           <a:lstStyle/>
           <a:p>
             <a:r>
-              <a:rPr>
+              <a:rPr dirty="0">
                 <a:sym typeface="+mn-ea"/>
               </a:rPr>
               <a:t>主问题：如何学习</a:t>
             </a:r>
             <a:r>
-              <a:rPr lang="en-US">
+              <a:rPr lang="en-US" dirty="0" err="1">
                 <a:sym typeface="+mn-ea"/>
               </a:rPr>
               <a:t>WebGPU</a:t>
@@ -7481,7 +7356,7 @@
               <a:buChar char="•"/>
             </a:pPr>
             <a:r>
-              <a:rPr>
+              <a:rPr dirty="0">
                 <a:sym typeface="+mn-ea"/>
                 <a:hlinkClick r:id="rId3" action="ppaction://hlinkfile"/>
               </a:rPr>
@@ -7494,7 +7369,7 @@
               <a:buChar char="•"/>
             </a:pPr>
             <a:r>
-              <a:rPr lang="zh-CN" altLang="en-US">
+              <a:rPr lang="zh-CN" altLang="en-US" dirty="0">
                 <a:sym typeface="+mn-ea"/>
                 <a:hlinkClick r:id="rId4" action="ppaction://hlinkfile"/>
               </a:rPr>
@@ -7507,14 +7382,14 @@
               <a:buChar char="•"/>
             </a:pPr>
             <a:r>
-              <a:rPr lang="en-US" altLang="zh-CN">
+              <a:rPr lang="en-US" altLang="zh-CN" dirty="0">
                 <a:sym typeface="+mn-ea"/>
                 <a:hlinkClick r:id="rId5" action="ppaction://hlinkfile"/>
               </a:rPr>
               <a:t>WebGPU</a:t>
             </a:r>
             <a:r>
-              <a:rPr>
+              <a:rPr dirty="0">
                 <a:sym typeface="+mn-ea"/>
                 <a:hlinkClick r:id="rId5" action="ppaction://hlinkfile"/>
               </a:rPr>
@@ -7527,24 +7402,24 @@
               <a:buChar char="•"/>
             </a:pPr>
             <a:r>
-              <a:rPr lang="zh-CN" altLang="en-US">
+              <a:rPr lang="zh-CN" altLang="en-US" dirty="0">
                 <a:hlinkClick r:id="rId6" action="ppaction://hlinkfile"/>
               </a:rPr>
               <a:t>webgpu-samples</a:t>
             </a:r>
-            <a:endParaRPr lang="zh-CN" altLang="en-US"/>
+            <a:endParaRPr lang="zh-CN" altLang="en-US" dirty="0"/>
           </a:p>
           <a:p>
             <a:pPr marL="285750" indent="-285750">
               <a:buFont typeface="Arial" panose="020B0604020202020204" pitchFamily="34" charset="0"/>
               <a:buChar char="•"/>
             </a:pPr>
-            <a:endParaRPr>
+            <a:endParaRPr dirty="0">
               <a:hlinkClick r:id="rId5" action="ppaction://hlinkfile"/>
             </a:endParaRPr>
           </a:p>
           <a:p>
-            <a:endParaRPr lang="zh-CN" altLang="en-US"/>
+            <a:endParaRPr lang="zh-CN" altLang="en-US" dirty="0"/>
           </a:p>
         </p:txBody>
       </p:sp>
@@ -7829,13 +7704,19 @@
               <a:buChar char="•"/>
             </a:pPr>
             <a:r>
-              <a:rPr lang="en-US" altLang="zh-CN">
-                <a:sym typeface="+mn-ea"/>
-              </a:rPr>
-              <a:t>WebGPU Node</a:t>
-            </a:r>
-            <a:r>
-              <a:rPr>
+              <a:rPr lang="en-US" altLang="zh-CN" dirty="0" err="1">
+                <a:sym typeface="+mn-ea"/>
+              </a:rPr>
+              <a:t>WebGPU</a:t>
+            </a:r>
+            <a:r>
+              <a:rPr lang="en-US" altLang="zh-CN" dirty="0">
+                <a:sym typeface="+mn-ea"/>
+              </a:rPr>
+              <a:t> Node</a:t>
+            </a:r>
+            <a:r>
+              <a:rPr dirty="0">
                 <a:sym typeface="+mn-ea"/>
               </a:rPr>
               <a:t>开源项目是干什么的？</a:t>
@@ -7847,22 +7728,52 @@
               <a:buChar char="•"/>
             </a:pPr>
             <a:r>
-              <a:rPr>
+              <a:rPr dirty="0">
                 <a:sym typeface="+mn-ea"/>
               </a:rPr>
               <a:t>为什么要用</a:t>
             </a:r>
             <a:r>
-              <a:rPr lang="en-US" altLang="zh-CN">
-                <a:sym typeface="+mn-ea"/>
-              </a:rPr>
-              <a:t>WebGPU Node</a:t>
-            </a:r>
-            <a:r>
-              <a:rPr>
-                <a:sym typeface="+mn-ea"/>
-              </a:rPr>
-              <a:t>开源项目？</a:t>
+              <a:rPr lang="en-US" altLang="zh-CN" dirty="0" err="1">
+                <a:sym typeface="+mn-ea"/>
+              </a:rPr>
+              <a:t>WebGPU</a:t>
+            </a:r>
+            <a:r>
+              <a:rPr lang="en-US" altLang="zh-CN" dirty="0">
+                <a:sym typeface="+mn-ea"/>
+              </a:rPr>
+              <a:t> Node</a:t>
+            </a:r>
+            <a:r>
+              <a:rPr dirty="0">
+                <a:sym typeface="+mn-ea"/>
+              </a:rPr>
+              <a:t>开源项目</a:t>
+            </a:r>
+            <a:r>
+              <a:rPr lang="zh-CN" altLang="en-US" dirty="0">
+                <a:sym typeface="+mn-ea"/>
+              </a:rPr>
+              <a:t>而不是</a:t>
+            </a:r>
+            <a:r>
+              <a:rPr lang="en-US" altLang="zh-CN" dirty="0" err="1">
+                <a:sym typeface="+mn-ea"/>
+              </a:rPr>
+              <a:t>WebGPU</a:t>
+            </a:r>
+            <a:r>
+              <a:rPr lang="zh-CN" altLang="en-US" dirty="0">
+                <a:sym typeface="+mn-ea"/>
+              </a:rPr>
+              <a:t>标准</a:t>
+            </a:r>
+            <a:r>
+              <a:rPr dirty="0">
+                <a:sym typeface="+mn-ea"/>
+              </a:rPr>
+              <a:t>？</a:t>
             </a:r>
           </a:p>
           <a:p>
@@ -7871,7 +7782,7 @@
               <a:buChar char="•"/>
             </a:pPr>
             <a:r>
-              <a:rPr lang="zh-CN" altLang="en-US"/>
+              <a:rPr lang="zh-CN" altLang="en-US" dirty="0"/>
               <a:t>我们使用什么管线？</a:t>
             </a:r>
           </a:p>
@@ -7880,7 +7791,7 @@
               <a:buFont typeface="Arial" panose="020B0604020202020204" pitchFamily="34" charset="0"/>
               <a:buChar char="•"/>
             </a:pPr>
-            <a:endParaRPr lang="zh-CN" altLang="en-US"/>
+            <a:endParaRPr lang="zh-CN" altLang="en-US" dirty="0"/>
           </a:p>
         </p:txBody>
       </p:sp>
@@ -7940,12 +7851,12 @@
               <a:buNone/>
             </a:pPr>
             <a:r>
-              <a:rPr lang="zh-CN" altLang="en-US">
+              <a:rPr lang="zh-CN" altLang="en-US" dirty="0">
                 <a:sym typeface="+mn-ea"/>
               </a:rPr>
               <a:t>优点</a:t>
             </a:r>
-            <a:endParaRPr lang="en-US" altLang="zh-CN">
+            <a:endParaRPr lang="en-US" altLang="zh-CN" dirty="0">
               <a:sym typeface="+mn-ea"/>
             </a:endParaRPr>
           </a:p>
@@ -7955,46 +7866,64 @@
               <a:buChar char="•"/>
             </a:pPr>
             <a:r>
-              <a:rPr lang="en-US" altLang="zh-CN">
+              <a:rPr lang="en-US" altLang="zh-CN" dirty="0" err="1">
                 <a:sym typeface="+mn-ea"/>
               </a:rPr>
               <a:t>WebGPU</a:t>
             </a:r>
             <a:r>
-              <a:rPr lang="zh-CN" altLang="en-US">
+              <a:rPr lang="zh-CN" altLang="en-US" dirty="0">
                 <a:sym typeface="+mn-ea"/>
               </a:rPr>
               <a:t>标准</a:t>
             </a:r>
             <a:r>
-              <a:rPr>
+              <a:rPr dirty="0" err="1">
                 <a:sym typeface="+mn-ea"/>
               </a:rPr>
               <a:t>目前不支持光追管线，但是</a:t>
             </a:r>
             <a:r>
-              <a:rPr lang="en-US" altLang="zh-CN">
-                <a:sym typeface="+mn-ea"/>
-              </a:rPr>
-              <a:t>WebGPU Node</a:t>
-            </a:r>
-            <a:r>
-              <a:rPr>
+              <a:rPr lang="en-US" altLang="zh-CN" dirty="0" err="1">
+                <a:sym typeface="+mn-ea"/>
+              </a:rPr>
+              <a:t>WebGPU</a:t>
+            </a:r>
+            <a:r>
+              <a:rPr lang="en-US" altLang="zh-CN" dirty="0">
+                <a:sym typeface="+mn-ea"/>
+              </a:rPr>
+              <a:t> </a:t>
+            </a:r>
+            <a:r>
+              <a:rPr lang="en-US" altLang="zh-CN" dirty="0" err="1">
+                <a:sym typeface="+mn-ea"/>
+              </a:rPr>
+              <a:t>Node</a:t>
+            </a:r>
+            <a:r>
+              <a:rPr dirty="0" err="1">
                 <a:sym typeface="+mn-ea"/>
               </a:rPr>
               <a:t>开源项目支持它（需要</a:t>
             </a:r>
             <a:r>
-              <a:rPr lang="en-US" altLang="zh-CN">
+              <a:rPr lang="en-US" altLang="zh-CN" dirty="0" err="1">
                 <a:sym typeface="+mn-ea"/>
               </a:rPr>
               <a:t>RTX</a:t>
             </a:r>
             <a:r>
-              <a:rPr>
-                <a:sym typeface="+mn-ea"/>
-              </a:rPr>
-              <a:t>显卡）</a:t>
+              <a:rPr dirty="0" err="1">
+                <a:sym typeface="+mn-ea"/>
+              </a:rPr>
+              <a:t>显卡</a:t>
+            </a:r>
+            <a:r>
+              <a:rPr dirty="0">
+                <a:sym typeface="+mn-ea"/>
+              </a:rPr>
+              <a:t>）</a:t>
             </a:r>
           </a:p>
           <a:p>
@@ -8003,66 +7932,78 @@
               <a:buChar char="•"/>
             </a:pPr>
             <a:r>
-              <a:rPr lang="en-US" altLang="zh-CN">
+              <a:rPr lang="en-US" altLang="zh-CN" dirty="0" err="1">
                 <a:sym typeface="+mn-ea"/>
               </a:rPr>
               <a:t>WebGPU</a:t>
             </a:r>
             <a:r>
-              <a:rPr lang="zh-CN" altLang="en-US">
+              <a:rPr lang="zh-CN" altLang="en-US" dirty="0">
                 <a:sym typeface="+mn-ea"/>
               </a:rPr>
               <a:t>标准使用的</a:t>
             </a:r>
             <a:r>
-              <a:rPr lang="en-US" altLang="zh-CN">
+              <a:rPr lang="en-US" altLang="zh-CN" dirty="0">
                 <a:sym typeface="+mn-ea"/>
               </a:rPr>
               <a:t>WGSL</a:t>
             </a:r>
             <a:r>
-              <a:rPr lang="zh-CN" altLang="en-US">
+              <a:rPr lang="zh-CN" altLang="en-US" dirty="0">
                 <a:sym typeface="+mn-ea"/>
               </a:rPr>
               <a:t>着色器语言缺少很多特性；而</a:t>
             </a:r>
             <a:r>
-              <a:rPr lang="en-US" altLang="zh-CN">
-                <a:sym typeface="+mn-ea"/>
-              </a:rPr>
-              <a:t>WebGPU Node</a:t>
-            </a:r>
-            <a:r>
-              <a:rPr>
+              <a:rPr lang="en-US" altLang="zh-CN" dirty="0" err="1">
+                <a:sym typeface="+mn-ea"/>
+              </a:rPr>
+              <a:t>WebGPU</a:t>
+            </a:r>
+            <a:r>
+              <a:rPr lang="en-US" altLang="zh-CN" dirty="0">
+                <a:sym typeface="+mn-ea"/>
+              </a:rPr>
+              <a:t> </a:t>
+            </a:r>
+            <a:r>
+              <a:rPr lang="en-US" altLang="zh-CN" dirty="0" err="1">
+                <a:sym typeface="+mn-ea"/>
+              </a:rPr>
+              <a:t>Node</a:t>
+            </a:r>
+            <a:r>
+              <a:rPr dirty="0" err="1">
                 <a:sym typeface="+mn-ea"/>
               </a:rPr>
               <a:t>开源项目</a:t>
             </a:r>
             <a:r>
-              <a:rPr lang="zh-CN">
+              <a:rPr lang="zh-CN" dirty="0">
                 <a:sym typeface="+mn-ea"/>
               </a:rPr>
               <a:t>使用</a:t>
             </a:r>
             <a:r>
-              <a:rPr lang="en-US" altLang="zh-CN">
+              <a:rPr lang="en-US" altLang="zh-CN" dirty="0">
                 <a:sym typeface="+mn-ea"/>
               </a:rPr>
               <a:t>GLSL</a:t>
             </a:r>
             <a:r>
-              <a:rPr lang="zh-CN" altLang="en-US">
+              <a:rPr lang="zh-CN" altLang="en-US" dirty="0">
                 <a:sym typeface="+mn-ea"/>
               </a:rPr>
               <a:t>，更成熟</a:t>
             </a:r>
-            <a:endParaRPr>
+            <a:endParaRPr dirty="0">
               <a:sym typeface="+mn-ea"/>
             </a:endParaRPr>
           </a:p>
           <a:p>
             <a:pPr marL="285750" indent="-285750"/>
-            <a:endParaRPr lang="en-US" altLang="zh-CN"/>
+            <a:endParaRPr lang="en-US" altLang="zh-CN" dirty="0"/>
           </a:p>
         </p:txBody>
       </p:sp>
@@ -8074,7 +8015,7 @@
         </p:nvSpPr>
         <p:spPr>
           <a:xfrm>
-            <a:off x="5902325" y="1701165"/>
+            <a:off x="6125845" y="1348740"/>
             <a:ext cx="4992370" cy="645160"/>
           </a:xfrm>
           <a:prstGeom prst="rect">
@@ -8089,52 +8030,58 @@
           <a:lstStyle/>
           <a:p>
             <a:r>
-              <a:rPr lang="zh-CN" altLang="en-US">
+              <a:rPr lang="zh-CN" altLang="en-US" dirty="0">
                 <a:sym typeface="+mn-ea"/>
               </a:rPr>
               <a:t>运行在</a:t>
             </a:r>
             <a:r>
-              <a:rPr lang="en-US" altLang="zh-CN">
+              <a:rPr lang="en-US" altLang="zh-CN" dirty="0">
                 <a:sym typeface="+mn-ea"/>
               </a:rPr>
               <a:t>Node.js</a:t>
             </a:r>
             <a:r>
-              <a:rPr lang="zh-CN" altLang="en-US">
+              <a:rPr lang="zh-CN" altLang="en-US" dirty="0">
                 <a:sym typeface="+mn-ea"/>
               </a:rPr>
               <a:t>环境中，底层封装了</a:t>
             </a:r>
             <a:r>
-              <a:rPr lang="en-US" altLang="zh-CN">
+              <a:rPr lang="en-US" altLang="zh-CN" dirty="0">
                 <a:sym typeface="+mn-ea"/>
               </a:rPr>
               <a:t>Vulkan</a:t>
             </a:r>
             <a:r>
-              <a:rPr lang="zh-CN" altLang="en-US">
+              <a:rPr lang="zh-CN" altLang="en-US" dirty="0">
                 <a:sym typeface="+mn-ea"/>
               </a:rPr>
               <a:t>等本地图形</a:t>
             </a:r>
             <a:r>
-              <a:rPr lang="en-US" altLang="zh-CN">
+              <a:rPr lang="en-US" altLang="zh-CN" dirty="0">
                 <a:sym typeface="+mn-ea"/>
               </a:rPr>
               <a:t>API</a:t>
             </a:r>
             <a:r>
-              <a:rPr lang="zh-CN" altLang="en-US">
+              <a:rPr lang="zh-CN" altLang="en-US" dirty="0">
                 <a:sym typeface="+mn-ea"/>
               </a:rPr>
               <a:t>，上层提供</a:t>
             </a:r>
             <a:r>
-              <a:rPr lang="en-US" altLang="zh-CN">
-                <a:sym typeface="+mn-ea"/>
-              </a:rPr>
-              <a:t>WebGPU API</a:t>
+              <a:rPr lang="en-US" altLang="zh-CN" dirty="0" err="1">
+                <a:sym typeface="+mn-ea"/>
+              </a:rPr>
+              <a:t>WebGPU</a:t>
+            </a:r>
+            <a:r>
+              <a:rPr lang="en-US" altLang="zh-CN" dirty="0">
+                <a:sym typeface="+mn-ea"/>
+              </a:rPr>
+              <a:t> API</a:t>
             </a:r>
           </a:p>
         </p:txBody>
@@ -8162,26 +8109,29 @@
           <a:lstStyle/>
           <a:p>
             <a:r>
-              <a:rPr>
+              <a:rPr dirty="0" err="1">
                 <a:sym typeface="+mn-ea"/>
               </a:rPr>
               <a:t>考虑到大多数同学的电脑没有</a:t>
             </a:r>
             <a:r>
-              <a:rPr lang="en-US" altLang="zh-CN">
+              <a:rPr lang="en-US" altLang="zh-CN" dirty="0" err="1">
                 <a:sym typeface="+mn-ea"/>
               </a:rPr>
               <a:t>RTX</a:t>
             </a:r>
             <a:r>
-              <a:rPr>
+              <a:rPr dirty="0" err="1">
                 <a:sym typeface="+mn-ea"/>
               </a:rPr>
               <a:t>显卡，所以我们主要使用计算管线而不是光追管线来实现光线追踪</a:t>
             </a:r>
-          </a:p>
-          <a:p>
-            <a:endParaRPr lang="zh-CN" altLang="en-US"/>
+            <a:endParaRPr dirty="0">
+              <a:sym typeface="+mn-ea"/>
+            </a:endParaRPr>
+          </a:p>
+          <a:p>
+            <a:endParaRPr lang="zh-CN" altLang="en-US" dirty="0"/>
           </a:p>
         </p:txBody>
       </p:sp>
@@ -8212,7 +8162,7 @@
               <a:buNone/>
             </a:pPr>
             <a:r>
-              <a:rPr lang="zh-CN" altLang="en-US">
+              <a:rPr lang="zh-CN" altLang="en-US" dirty="0">
                 <a:sym typeface="+mn-ea"/>
               </a:rPr>
               <a:t>缺点</a:t>
@@ -8224,42 +8174,54 @@
               <a:buChar char="•"/>
             </a:pPr>
             <a:r>
-              <a:rPr lang="en-US" altLang="zh-CN">
-                <a:sym typeface="+mn-ea"/>
-              </a:rPr>
-              <a:t>WebGPU Node</a:t>
-            </a:r>
-            <a:r>
-              <a:rPr lang="zh-CN" altLang="en-US">
+              <a:rPr lang="en-US" altLang="zh-CN" dirty="0" err="1">
+                <a:sym typeface="+mn-ea"/>
+              </a:rPr>
+              <a:t>WebGPU</a:t>
+            </a:r>
+            <a:r>
+              <a:rPr lang="en-US" altLang="zh-CN" dirty="0">
+                <a:sym typeface="+mn-ea"/>
+              </a:rPr>
+              <a:t> Node</a:t>
+            </a:r>
+            <a:r>
+              <a:rPr lang="zh-CN" altLang="en-US" dirty="0">
                 <a:sym typeface="+mn-ea"/>
               </a:rPr>
               <a:t>提供的</a:t>
             </a:r>
             <a:r>
-              <a:rPr lang="en-US" altLang="zh-CN">
-                <a:sym typeface="+mn-ea"/>
-              </a:rPr>
-              <a:t>WebGPU API</a:t>
-            </a:r>
-            <a:r>
-              <a:rPr lang="zh-CN" altLang="en-US">
+              <a:rPr lang="en-US" altLang="zh-CN" dirty="0" err="1">
+                <a:sym typeface="+mn-ea"/>
+              </a:rPr>
+              <a:t>WebGPU</a:t>
+            </a:r>
+            <a:r>
+              <a:rPr lang="en-US" altLang="zh-CN" dirty="0">
+                <a:sym typeface="+mn-ea"/>
+              </a:rPr>
+              <a:t> API</a:t>
+            </a:r>
+            <a:r>
+              <a:rPr lang="zh-CN" altLang="en-US" dirty="0">
                 <a:sym typeface="+mn-ea"/>
               </a:rPr>
               <a:t>版本较老（</a:t>
             </a:r>
             <a:r>
-              <a:rPr lang="en-US" altLang="zh-CN">
+              <a:rPr lang="en-US" altLang="zh-CN" dirty="0">
                 <a:sym typeface="+mn-ea"/>
               </a:rPr>
               <a:t>2020</a:t>
             </a:r>
             <a:r>
-              <a:rPr lang="zh-CN" altLang="en-US">
+              <a:rPr lang="zh-CN" altLang="en-US" dirty="0">
                 <a:sym typeface="+mn-ea"/>
               </a:rPr>
               <a:t>年的版本）</a:t>
             </a:r>
-            <a:endParaRPr lang="en-US" altLang="zh-CN">
+            <a:endParaRPr lang="en-US" altLang="zh-CN" dirty="0">
               <a:sym typeface="+mn-ea"/>
             </a:endParaRPr>
           </a:p>
@@ -8656,18 +8618,18 @@
           <a:lstStyle/>
           <a:p>
             <a:r>
-              <a:rPr lang="zh-CN" altLang="en-US">
+              <a:rPr lang="zh-CN" altLang="en-US" dirty="0">
                 <a:sym typeface="+mn-ea"/>
               </a:rPr>
               <a:t>安装</a:t>
             </a:r>
             <a:r>
-              <a:rPr lang="en-US" altLang="zh-CN">
+              <a:rPr lang="en-US" altLang="zh-CN" dirty="0" err="1">
                 <a:sym typeface="+mn-ea"/>
               </a:rPr>
               <a:t>nodejs</a:t>
             </a:r>
-            <a:endParaRPr lang="zh-CN" altLang="en-US"/>
+            <a:endParaRPr lang="zh-CN" altLang="en-US" dirty="0"/>
           </a:p>
         </p:txBody>
       </p:sp>
@@ -8690,49 +8652,67 @@
               <a:buFont typeface="Arial" panose="020B0604020202020204" pitchFamily="34" charset="0"/>
             </a:pPr>
             <a:r>
-              <a:rPr>
+              <a:rPr dirty="0">
                 <a:sym typeface="+mn-ea"/>
               </a:rPr>
               <a:t>Node.js 是能够在服务器端运行JavaScript 的开放源代码、跨平台 JavaScript 运行环境</a:t>
             </a:r>
-            <a:endParaRPr lang="zh-CN" altLang="en-US"/>
+            <a:endParaRPr lang="zh-CN" altLang="en-US" dirty="0"/>
           </a:p>
           <a:p>
             <a:pPr>
               <a:buFont typeface="Arial" panose="020B0604020202020204" pitchFamily="34" charset="0"/>
             </a:pPr>
-            <a:endParaRPr lang="zh-CN" altLang="en-US"/>
+            <a:endParaRPr lang="zh-CN" altLang="en-US" dirty="0"/>
           </a:p>
           <a:p>
             <a:pPr algn="just">
               <a:buFont typeface="Arial" panose="020B0604020202020204" pitchFamily="34" charset="0"/>
             </a:pPr>
             <a:r>
-              <a:rPr>
-                <a:sym typeface="+mn-ea"/>
-                <a:hlinkClick r:id="rId3" action="ppaction://hlinkfile"/>
+              <a:rPr dirty="0">
+                <a:sym typeface="+mn-ea"/>
+                <a:hlinkClick r:id="rId3"/>
               </a:rPr>
               <a:t>下载最新版本</a:t>
             </a:r>
-            <a:endParaRPr lang="zh-CN" altLang="en-US"/>
+            <a:r>
+              <a:rPr lang="zh-CN" altLang="en-US" dirty="0">
+                <a:sym typeface="+mn-ea"/>
+              </a:rPr>
+              <a:t>，版本至少为</a:t>
+            </a:r>
+            <a:r>
+              <a:rPr lang="en-US" altLang="zh-CN" dirty="0">
+                <a:sym typeface="+mn-ea"/>
+              </a:rPr>
+              <a:t>13</a:t>
+            </a:r>
+            <a:r>
+              <a:rPr lang="zh-CN" altLang="en-US" dirty="0">
+                <a:sym typeface="+mn-ea"/>
+              </a:rPr>
+              <a:t>及以上</a:t>
+            </a:r>
+            <a:endParaRPr lang="zh-CN" altLang="en-US" dirty="0"/>
           </a:p>
           <a:p>
             <a:pPr>
               <a:buFont typeface="Arial" panose="020B0604020202020204" pitchFamily="34" charset="0"/>
             </a:pPr>
             <a:r>
-              <a:rPr>
+              <a:rPr dirty="0">
                 <a:sym typeface="+mn-ea"/>
               </a:rPr>
               <a:t>在Windows上安装时务必选择全部组件，包括勾选Add to Path</a:t>
             </a:r>
-            <a:endParaRPr lang="zh-CN" altLang="en-US"/>
+            <a:endParaRPr lang="zh-CN" altLang="en-US" dirty="0"/>
           </a:p>
           <a:p>
             <a:pPr>
               <a:buFont typeface="Arial" panose="020B0604020202020204" pitchFamily="34" charset="0"/>
             </a:pPr>
-            <a:endParaRPr lang="zh-CN" altLang="en-US"/>
+            <a:endParaRPr lang="zh-CN" altLang="en-US" dirty="0"/>
           </a:p>
           <a:p>
             <a:pPr marL="285750" indent="-285750">
@@ -8740,51 +8720,57 @@
               <a:buChar char="•"/>
             </a:pPr>
             <a:r>
-              <a:rPr>
+              <a:rPr dirty="0">
                 <a:sym typeface="+mn-ea"/>
               </a:rPr>
               <a:t>检查</a:t>
             </a:r>
             <a:r>
-              <a:rPr lang="en-US" altLang="zh-CN">
+              <a:rPr lang="en-US" altLang="zh-CN" dirty="0" err="1">
                 <a:sym typeface="+mn-ea"/>
               </a:rPr>
               <a:t>npm</a:t>
             </a:r>
             <a:r>
-              <a:rPr>
+              <a:rPr dirty="0">
                 <a:sym typeface="+mn-ea"/>
               </a:rPr>
               <a:t>：</a:t>
             </a:r>
             <a:r>
-              <a:rPr lang="en-US" altLang="zh-CN">
-                <a:sym typeface="+mn-ea"/>
-              </a:rPr>
-              <a:t>npm -v</a:t>
-            </a:r>
-            <a:endParaRPr lang="en-US" altLang="zh-CN"/>
+              <a:rPr lang="en-US" altLang="zh-CN" dirty="0" err="1">
+                <a:sym typeface="+mn-ea"/>
+              </a:rPr>
+              <a:t>npm</a:t>
+            </a:r>
+            <a:r>
+              <a:rPr lang="en-US" altLang="zh-CN" dirty="0">
+                <a:sym typeface="+mn-ea"/>
+              </a:rPr>
+              <a:t> -v</a:t>
+            </a:r>
+            <a:endParaRPr lang="en-US" altLang="zh-CN" dirty="0"/>
           </a:p>
           <a:p>
             <a:pPr>
               <a:buFont typeface="Arial" panose="020B0604020202020204" pitchFamily="34" charset="0"/>
             </a:pPr>
             <a:r>
-              <a:rPr lang="en-US" altLang="zh-CN">
+              <a:rPr lang="en-US" altLang="zh-CN" dirty="0" err="1">
                 <a:sym typeface="+mn-ea"/>
               </a:rPr>
               <a:t>npm是Node.js的包管理工具</a:t>
             </a:r>
-            <a:endParaRPr lang="en-US" altLang="zh-CN"/>
+            <a:endParaRPr lang="en-US" altLang="zh-CN" dirty="0"/>
           </a:p>
           <a:p>
             <a:pPr>
               <a:buFont typeface="Arial" panose="020B0604020202020204" pitchFamily="34" charset="0"/>
             </a:pPr>
-            <a:endParaRPr lang="zh-CN" altLang="en-US"/>
-          </a:p>
-          <a:p>
-            <a:endParaRPr lang="zh-CN" altLang="en-US"/>
+            <a:endParaRPr lang="zh-CN" altLang="en-US" dirty="0"/>
+          </a:p>
+          <a:p>
+            <a:endParaRPr lang="zh-CN" altLang="en-US" dirty="0"/>
           </a:p>
         </p:txBody>
       </p:sp>
@@ -8958,22 +8944,22 @@
           <a:lstStyle/>
           <a:p>
             <a:r>
-              <a:rPr lang="zh-CN" altLang="en-US"/>
+              <a:rPr lang="zh-CN" altLang="en-US" dirty="0"/>
               <a:t>第二节课：</a:t>
             </a:r>
             <a:br>
-              <a:rPr lang="zh-CN" altLang="en-US"/>
+              <a:rPr lang="zh-CN" altLang="en-US" dirty="0"/>
             </a:br>
             <a:r>
-              <a:rPr>
+              <a:rPr dirty="0">
                 <a:sym typeface="+mn-ea"/>
               </a:rPr>
               <a:t>WebGPU介绍和使用光栅化管线绘制一个三角形</a:t>
             </a:r>
             <a:br>
-              <a:rPr lang="zh-CN" altLang="en-US"/>
+              <a:rPr lang="zh-CN" altLang="en-US" dirty="0"/>
             </a:br>
-            <a:endParaRPr lang="zh-CN" altLang="en-US"/>
+            <a:endParaRPr lang="zh-CN" altLang="en-US" dirty="0"/>
           </a:p>
         </p:txBody>
       </p:sp>
@@ -9050,16 +9036,10 @@
           <a:lstStyle/>
           <a:p>
             <a:r>
-              <a:rPr lang="zh-CN" altLang="en-US">
-                <a:sym typeface="+mn-ea"/>
-              </a:rPr>
-              <a:t>安装</a:t>
-            </a:r>
-            <a:r>
-              <a:rPr lang="en-US" altLang="zh-CN">
-                <a:sym typeface="+mn-ea"/>
-              </a:rPr>
-              <a:t>VS Code</a:t>
+              <a:rPr lang="en-US" altLang="zh-CN" dirty="0">
+                <a:sym typeface="+mn-ea"/>
+              </a:rPr>
+              <a:t>[</a:t>
             </a:r>
           </a:p>
         </p:txBody>
@@ -9083,22 +9063,22 @@
               <a:buFont typeface="Arial" panose="020B0604020202020204" pitchFamily="34" charset="0"/>
             </a:pPr>
             <a:r>
-              <a:rPr lang="zh-CN" altLang="en-US"/>
+              <a:rPr lang="zh-CN" altLang="en-US" dirty="0"/>
               <a:t>进入</a:t>
             </a:r>
             <a:r>
-              <a:rPr lang="zh-CN" altLang="en-US">
+              <a:rPr lang="zh-CN" altLang="en-US" dirty="0">
                 <a:hlinkClick r:id="rId3" action="ppaction://hlinkfile"/>
               </a:rPr>
               <a:t>官网</a:t>
             </a:r>
             <a:r>
-              <a:rPr lang="zh-CN" altLang="en-US"/>
+              <a:rPr lang="zh-CN" altLang="en-US" dirty="0"/>
               <a:t>下载并安装</a:t>
             </a:r>
           </a:p>
           <a:p>
-            <a:endParaRPr lang="zh-CN" altLang="en-US"/>
+            <a:endParaRPr lang="zh-CN" altLang="en-US" dirty="0"/>
           </a:p>
         </p:txBody>
       </p:sp>
@@ -9147,15 +9127,8 @@
           <a:p>
             <a:r>
               <a:rPr lang="zh-CN" altLang="en-US" dirty="0"/>
-              <a:t>任务</a:t>
-            </a:r>
-            <a:r>
-              <a:rPr lang="zh-CN" altLang="en-US" dirty="0">
-                <a:sym typeface="+mn-ea"/>
-              </a:rPr>
-              <a:t>：准备开发环境</a:t>
-            </a:r>
-            <a:endParaRPr lang="zh-CN" altLang="en-US" dirty="0"/>
+              <a:t>任务：准备开发环境</a:t>
+            </a:r>
           </a:p>
         </p:txBody>
       </p:sp>
@@ -9174,29 +9147,168 @@
           <a:bodyPr/>
           <a:lstStyle/>
           <a:p>
+            <a:pPr marL="285750" lvl="0" indent="-285750">
+              <a:buFont typeface="Arial" panose="020B0604020202020204" pitchFamily="34" charset="0"/>
+              <a:buChar char="•"/>
+            </a:pPr>
+            <a:r>
+              <a:rPr lang="zh-CN" altLang="en-US" dirty="0"/>
+              <a:t>准备项目代码</a:t>
+            </a:r>
+            <a:endParaRPr lang="en-US" altLang="zh-CN" dirty="0"/>
+          </a:p>
+          <a:p>
+            <a:pPr marL="742950" lvl="1" indent="-285750">
+              <a:buFont typeface="Arial" panose="020B0604020202020204" pitchFamily="34" charset="0"/>
+              <a:buChar char="•"/>
+            </a:pPr>
+            <a:r>
+              <a:rPr lang="en-US" dirty="0"/>
+              <a:t>Clone</a:t>
+            </a:r>
+            <a:r>
+              <a:rPr lang="zh-CN" altLang="en-US" dirty="0"/>
+              <a:t>本课程的</a:t>
+            </a:r>
+            <a:r>
+              <a:rPr lang="en-US" altLang="zh-CN" dirty="0" err="1"/>
+              <a:t>Github</a:t>
+            </a:r>
+            <a:r>
+              <a:rPr lang="zh-CN" altLang="en-US" dirty="0"/>
+              <a:t>项目</a:t>
+            </a:r>
+            <a:r>
+              <a:rPr lang="en-US" altLang="zh-CN" dirty="0"/>
+              <a:t>(HTTPS clone)</a:t>
+            </a:r>
+            <a:r>
+              <a:rPr lang="zh-CN" altLang="en-US" dirty="0"/>
+              <a:t>：</a:t>
+            </a:r>
+            <a:br>
+              <a:rPr lang="en-US" altLang="zh-CN" dirty="0"/>
+            </a:br>
+            <a:r>
+              <a:rPr lang="en-US" dirty="0">
+                <a:hlinkClick r:id="rId3"/>
+              </a:rPr>
+              <a:t>https://github.com/yyc-git/PotorealisticRenderEdu-3</a:t>
+            </a:r>
+            <a:endParaRPr lang="en-US" dirty="0"/>
+          </a:p>
+          <a:p>
+            <a:pPr marL="742950" lvl="1" indent="-285750">
+              <a:buFont typeface="Arial" panose="020B0604020202020204" pitchFamily="34" charset="0"/>
+              <a:buChar char="•"/>
+            </a:pPr>
+            <a:r>
+              <a:rPr lang="en" dirty="0"/>
+              <a:t>clone </a:t>
+            </a:r>
+            <a:r>
+              <a:rPr lang="zh-CN" altLang="en-US" dirty="0"/>
+              <a:t>后，请在根目录上执行：</a:t>
+            </a:r>
+            <a:r>
+              <a:rPr lang="en" dirty="0"/>
+              <a:t>yarn</a:t>
+            </a:r>
+          </a:p>
+          <a:p>
+            <a:pPr marL="742950" lvl="1" indent="-285750">
+              <a:buFont typeface="Arial" panose="020B0604020202020204" pitchFamily="34" charset="0"/>
+              <a:buChar char="•"/>
+            </a:pPr>
+            <a:r>
+              <a:rPr lang="zh-CN" altLang="en-US" dirty="0"/>
+              <a:t>没有</a:t>
+            </a:r>
+            <a:r>
+              <a:rPr lang="en" dirty="0"/>
+              <a:t>yarn</a:t>
+            </a:r>
+            <a:r>
+              <a:rPr lang="zh-CN" altLang="en-US" dirty="0"/>
+              <a:t>的同学请先执行：</a:t>
+            </a:r>
+            <a:r>
+              <a:rPr lang="en" dirty="0" err="1"/>
+              <a:t>npm</a:t>
+            </a:r>
+            <a:r>
+              <a:rPr lang="en" dirty="0"/>
+              <a:t> install --global yarn</a:t>
+            </a:r>
+          </a:p>
+          <a:p>
+            <a:pPr marL="742950" lvl="1" indent="-285750">
+              <a:buFont typeface="Arial" panose="020B0604020202020204" pitchFamily="34" charset="0"/>
+              <a:buChar char="•"/>
+            </a:pPr>
+            <a:r>
+              <a:rPr lang="en" dirty="0" err="1"/>
+              <a:t>每个同学可以在项目中新建</a:t>
+            </a:r>
+            <a:r>
+              <a:rPr lang="zh-CN" altLang="en-US" dirty="0"/>
+              <a:t>“</a:t>
+            </a:r>
+            <a:r>
+              <a:rPr lang="en" dirty="0"/>
+              <a:t>mine/</a:t>
+            </a:r>
+            <a:r>
+              <a:rPr lang="zh-CN" altLang="en-US" dirty="0"/>
+              <a:t>”</a:t>
+            </a:r>
+            <a:r>
+              <a:rPr lang="en" dirty="0" err="1"/>
+              <a:t>文件夹</a:t>
+            </a:r>
+            <a:r>
+              <a:rPr lang="zh-CN" altLang="en-US" dirty="0"/>
+              <a:t>（已经被</a:t>
+            </a:r>
+            <a:r>
+              <a:rPr lang="en-US" altLang="zh-CN" dirty="0"/>
+              <a:t>git ignore</a:t>
+            </a:r>
+            <a:r>
+              <a:rPr lang="zh-CN" altLang="en-US" dirty="0"/>
+              <a:t>），用于存放自己的文件</a:t>
+            </a:r>
+            <a:endParaRPr lang="en-US" altLang="zh-CN" dirty="0"/>
+          </a:p>
+          <a:p>
             <a:pPr marL="285750" indent="-285750">
               <a:buFont typeface="Arial" panose="020B0604020202020204" pitchFamily="34" charset="0"/>
               <a:buChar char="•"/>
             </a:pPr>
             <a:r>
-              <a:rPr lang="en-US" altLang="zh-CN" dirty="0">
-                <a:sym typeface="+mn-ea"/>
-              </a:rPr>
-              <a:t>Shader languages support for VS Code</a:t>
-            </a:r>
-            <a:r>
-              <a:rPr lang="zh-CN" altLang="en-US" dirty="0">
-                <a:sym typeface="+mn-ea"/>
-              </a:rPr>
-              <a:t>（高亮）</a:t>
-            </a:r>
-          </a:p>
-          <a:p>
-            <a:pPr lvl="0"/>
+              <a:rPr lang="zh-CN" altLang="en-US" dirty="0"/>
+              <a:t>在项目根目录下，输入：</a:t>
+            </a:r>
+            <a:r>
+              <a:rPr lang="en" dirty="0"/>
+              <a:t>node lessons/2_triangle/code/</a:t>
+            </a:r>
+            <a:r>
+              <a:rPr lang="en" dirty="0" err="1"/>
+              <a:t>index.js</a:t>
+            </a:r>
+            <a:r>
+              <a:rPr lang="en" dirty="0"/>
+              <a:t> </a:t>
+            </a:r>
+            <a:r>
+              <a:rPr lang="zh-CN" altLang="en-US" dirty="0"/>
+              <a:t>，应该能看到运行结果：</a:t>
+            </a:r>
+          </a:p>
+          <a:p>
             <a:br>
-              <a:rPr lang="en-US" altLang="zh-CN" dirty="0">
-                <a:sym typeface="+mn-ea"/>
-              </a:rPr>
+              <a:rPr dirty="0"/>
             </a:br>
             <a:br>
               <a:rPr dirty="0"/>
@@ -9226,14 +9338,418 @@
           </a:p>
         </p:txBody>
       </p:sp>
+      <p:pic>
+        <p:nvPicPr>
+          <p:cNvPr id="3" name="图片 2" descr="视频封面">
+            <a:extLst>
+              <a:ext uri="{FF2B5EF4-FFF2-40B4-BE49-F238E27FC236}">
+                <a16:creationId xmlns:a16="http://schemas.microsoft.com/office/drawing/2014/main" id="{A109D34C-82CE-D839-3947-11958EC32FFB}"/>
+              </a:ext>
+            </a:extLst>
+          </p:cNvPr>
+          <p:cNvPicPr>
+            <a:picLocks noChangeAspect="1"/>
+          </p:cNvPicPr>
+          <p:nvPr/>
+        </p:nvPicPr>
+        <p:blipFill>
+          <a:blip r:embed="rId4"/>
+          <a:stretch>
+            <a:fillRect/>
+          </a:stretch>
+        </p:blipFill>
+        <p:spPr>
+          <a:xfrm>
+            <a:off x="8249697" y="718924"/>
+            <a:ext cx="3374376" cy="2710076"/>
+          </a:xfrm>
+          <a:prstGeom prst="rect">
+            <a:avLst/>
+          </a:prstGeom>
+        </p:spPr>
+      </p:pic>
     </p:spTree>
     <p:custDataLst>
       <p:tags r:id="rId1"/>
     </p:custDataLst>
+    <p:extLst>
+      <p:ext uri="{BB962C8B-B14F-4D97-AF65-F5344CB8AC3E}">
+        <p14:creationId xmlns:p14="http://schemas.microsoft.com/office/powerpoint/2010/main" val="938152365"/>
+      </p:ext>
+    </p:extLst>
   </p:cSld>
   <p:clrMapOvr>
     <a:masterClrMapping/>
   </p:clrMapOvr>
+  <p:timing>
+    <p:tnLst>
+      <p:par>
+        <p:cTn id="1" dur="indefinite" restart="never" nodeType="tmRoot">
+          <p:childTnLst>
+            <p:seq concurrent="1" nextAc="seek">
+              <p:cTn id="2" dur="indefinite" nodeType="mainSeq">
+                <p:childTnLst>
+                  <p:par>
+                    <p:cTn id="3" fill="hold">
+                      <p:stCondLst>
+                        <p:cond delay="indefinite"/>
+                      </p:stCondLst>
+                      <p:childTnLst>
+                        <p:par>
+                          <p:cTn id="4" fill="hold">
+                            <p:stCondLst>
+                              <p:cond delay="0"/>
+                            </p:stCondLst>
+                            <p:childTnLst>
+                              <p:par>
+                                <p:cTn id="5" presetID="1" presetClass="entr" presetSubtype="0" fill="hold" nodeType="clickEffect">
+                                  <p:stCondLst>
+                                    <p:cond delay="0"/>
+                                  </p:stCondLst>
+                                  <p:childTnLst>
+                                    <p:set>
+                                      <p:cBhvr>
+                                        <p:cTn id="6" dur="1" fill="hold">
+                                          <p:stCondLst>
+                                            <p:cond delay="0"/>
+                                          </p:stCondLst>
+                                        </p:cTn>
+                                        <p:tgtEl>
+                                          <p:spTgt spid="4">
+                                            <p:txEl>
+                                              <p:pRg st="0" end="0"/>
+                                            </p:txEl>
+                                          </p:spTgt>
+                                        </p:tgtEl>
+                                        <p:attrNameLst>
+                                          <p:attrName>style.visibility</p:attrName>
+                                        </p:attrNameLst>
+                                      </p:cBhvr>
+                                      <p:to>
+                                        <p:strVal val="visible"/>
+                                      </p:to>
+                                    </p:set>
+                                  </p:childTnLst>
+                                </p:cTn>
+                              </p:par>
+                            </p:childTnLst>
+                          </p:cTn>
+                        </p:par>
+                      </p:childTnLst>
+                    </p:cTn>
+                  </p:par>
+                  <p:par>
+                    <p:cTn id="7" fill="hold">
+                      <p:stCondLst>
+                        <p:cond delay="indefinite"/>
+                      </p:stCondLst>
+                      <p:childTnLst>
+                        <p:par>
+                          <p:cTn id="8" fill="hold">
+                            <p:stCondLst>
+                              <p:cond delay="0"/>
+                            </p:stCondLst>
+                            <p:childTnLst>
+                              <p:par>
+                                <p:cTn id="9" presetID="1" presetClass="entr" presetSubtype="0" fill="hold" nodeType="clickEffect">
+                                  <p:stCondLst>
+                                    <p:cond delay="0"/>
+                                  </p:stCondLst>
+                                  <p:childTnLst>
+                                    <p:set>
+                                      <p:cBhvr>
+                                        <p:cTn id="10" dur="1" fill="hold">
+                                          <p:stCondLst>
+                                            <p:cond delay="0"/>
+                                          </p:stCondLst>
+                                        </p:cTn>
+                                        <p:tgtEl>
+                                          <p:spTgt spid="4">
+                                            <p:txEl>
+                                              <p:pRg st="1" end="1"/>
+                                            </p:txEl>
+                                          </p:spTgt>
+                                        </p:tgtEl>
+                                        <p:attrNameLst>
+                                          <p:attrName>style.visibility</p:attrName>
+                                        </p:attrNameLst>
+                                      </p:cBhvr>
+                                      <p:to>
+                                        <p:strVal val="visible"/>
+                                      </p:to>
+                                    </p:set>
+                                  </p:childTnLst>
+                                </p:cTn>
+                              </p:par>
+                            </p:childTnLst>
+                          </p:cTn>
+                        </p:par>
+                      </p:childTnLst>
+                    </p:cTn>
+                  </p:par>
+                  <p:par>
+                    <p:cTn id="11" fill="hold">
+                      <p:stCondLst>
+                        <p:cond delay="indefinite"/>
+                      </p:stCondLst>
+                      <p:childTnLst>
+                        <p:par>
+                          <p:cTn id="12" fill="hold">
+                            <p:stCondLst>
+                              <p:cond delay="0"/>
+                            </p:stCondLst>
+                            <p:childTnLst>
+                              <p:par>
+                                <p:cTn id="13" presetID="1" presetClass="entr" presetSubtype="0" fill="hold" nodeType="clickEffect">
+                                  <p:stCondLst>
+                                    <p:cond delay="0"/>
+                                  </p:stCondLst>
+                                  <p:childTnLst>
+                                    <p:set>
+                                      <p:cBhvr>
+                                        <p:cTn id="14" dur="1" fill="hold">
+                                          <p:stCondLst>
+                                            <p:cond delay="0"/>
+                                          </p:stCondLst>
+                                        </p:cTn>
+                                        <p:tgtEl>
+                                          <p:spTgt spid="4">
+                                            <p:txEl>
+                                              <p:pRg st="2" end="2"/>
+                                            </p:txEl>
+                                          </p:spTgt>
+                                        </p:tgtEl>
+                                        <p:attrNameLst>
+                                          <p:attrName>style.visibility</p:attrName>
+                                        </p:attrNameLst>
+                                      </p:cBhvr>
+                                      <p:to>
+                                        <p:strVal val="visible"/>
+                                      </p:to>
+                                    </p:set>
+                                  </p:childTnLst>
+                                </p:cTn>
+                              </p:par>
+                            </p:childTnLst>
+                          </p:cTn>
+                        </p:par>
+                      </p:childTnLst>
+                    </p:cTn>
+                  </p:par>
+                  <p:par>
+                    <p:cTn id="15" fill="hold">
+                      <p:stCondLst>
+                        <p:cond delay="indefinite"/>
+                      </p:stCondLst>
+                      <p:childTnLst>
+                        <p:par>
+                          <p:cTn id="16" fill="hold">
+                            <p:stCondLst>
+                              <p:cond delay="0"/>
+                            </p:stCondLst>
+                            <p:childTnLst>
+                              <p:par>
+                                <p:cTn id="17" presetID="1" presetClass="entr" presetSubtype="0" fill="hold" nodeType="clickEffect">
+                                  <p:stCondLst>
+                                    <p:cond delay="0"/>
+                                  </p:stCondLst>
+                                  <p:childTnLst>
+                                    <p:set>
+                                      <p:cBhvr>
+                                        <p:cTn id="18" dur="1" fill="hold">
+                                          <p:stCondLst>
+                                            <p:cond delay="0"/>
+                                          </p:stCondLst>
+                                        </p:cTn>
+                                        <p:tgtEl>
+                                          <p:spTgt spid="4">
+                                            <p:txEl>
+                                              <p:pRg st="3" end="3"/>
+                                            </p:txEl>
+                                          </p:spTgt>
+                                        </p:tgtEl>
+                                        <p:attrNameLst>
+                                          <p:attrName>style.visibility</p:attrName>
+                                        </p:attrNameLst>
+                                      </p:cBhvr>
+                                      <p:to>
+                                        <p:strVal val="visible"/>
+                                      </p:to>
+                                    </p:set>
+                                  </p:childTnLst>
+                                </p:cTn>
+                              </p:par>
+                            </p:childTnLst>
+                          </p:cTn>
+                        </p:par>
+                      </p:childTnLst>
+                    </p:cTn>
+                  </p:par>
+                  <p:par>
+                    <p:cTn id="19" fill="hold">
+                      <p:stCondLst>
+                        <p:cond delay="indefinite"/>
+                      </p:stCondLst>
+                      <p:childTnLst>
+                        <p:par>
+                          <p:cTn id="20" fill="hold">
+                            <p:stCondLst>
+                              <p:cond delay="0"/>
+                            </p:stCondLst>
+                            <p:childTnLst>
+                              <p:par>
+                                <p:cTn id="21" presetID="1" presetClass="entr" presetSubtype="0" fill="hold" nodeType="clickEffect">
+                                  <p:stCondLst>
+                                    <p:cond delay="0"/>
+                                  </p:stCondLst>
+                                  <p:childTnLst>
+                                    <p:set>
+                                      <p:cBhvr>
+                                        <p:cTn id="22" dur="1" fill="hold">
+                                          <p:stCondLst>
+                                            <p:cond delay="0"/>
+                                          </p:stCondLst>
+                                        </p:cTn>
+                                        <p:tgtEl>
+                                          <p:spTgt spid="4">
+                                            <p:txEl>
+                                              <p:pRg st="4" end="4"/>
+                                            </p:txEl>
+                                          </p:spTgt>
+                                        </p:tgtEl>
+                                        <p:attrNameLst>
+                                          <p:attrName>style.visibility</p:attrName>
+                                        </p:attrNameLst>
+                                      </p:cBhvr>
+                                      <p:to>
+                                        <p:strVal val="visible"/>
+                                      </p:to>
+                                    </p:set>
+                                  </p:childTnLst>
+                                </p:cTn>
+                              </p:par>
+                            </p:childTnLst>
+                          </p:cTn>
+                        </p:par>
+                      </p:childTnLst>
+                    </p:cTn>
+                  </p:par>
+                  <p:par>
+                    <p:cTn id="23" fill="hold">
+                      <p:stCondLst>
+                        <p:cond delay="indefinite"/>
+                      </p:stCondLst>
+                      <p:childTnLst>
+                        <p:par>
+                          <p:cTn id="24" fill="hold">
+                            <p:stCondLst>
+                              <p:cond delay="0"/>
+                            </p:stCondLst>
+                            <p:childTnLst>
+                              <p:par>
+                                <p:cTn id="25" presetID="1" presetClass="entr" presetSubtype="0" fill="hold" nodeType="clickEffect">
+                                  <p:stCondLst>
+                                    <p:cond delay="0"/>
+                                  </p:stCondLst>
+                                  <p:childTnLst>
+                                    <p:set>
+                                      <p:cBhvr>
+                                        <p:cTn id="26" dur="1" fill="hold">
+                                          <p:stCondLst>
+                                            <p:cond delay="0"/>
+                                          </p:stCondLst>
+                                        </p:cTn>
+                                        <p:tgtEl>
+                                          <p:spTgt spid="4">
+                                            <p:txEl>
+                                              <p:pRg st="5" end="5"/>
+                                            </p:txEl>
+                                          </p:spTgt>
+                                        </p:tgtEl>
+                                        <p:attrNameLst>
+                                          <p:attrName>style.visibility</p:attrName>
+                                        </p:attrNameLst>
+                                      </p:cBhvr>
+                                      <p:to>
+                                        <p:strVal val="visible"/>
+                                      </p:to>
+                                    </p:set>
+                                  </p:childTnLst>
+                                </p:cTn>
+                              </p:par>
+                            </p:childTnLst>
+                          </p:cTn>
+                        </p:par>
+                      </p:childTnLst>
+                    </p:cTn>
+                  </p:par>
+                  <p:par>
+                    <p:cTn id="27" fill="hold">
+                      <p:stCondLst>
+                        <p:cond delay="indefinite"/>
+                      </p:stCondLst>
+                      <p:childTnLst>
+                        <p:par>
+                          <p:cTn id="28" fill="hold">
+                            <p:stCondLst>
+                              <p:cond delay="0"/>
+                            </p:stCondLst>
+                            <p:childTnLst>
+                              <p:par>
+                                <p:cTn id="29" presetID="1" presetClass="entr" presetSubtype="0" fill="hold" nodeType="clickEffect">
+                                  <p:stCondLst>
+                                    <p:cond delay="0"/>
+                                  </p:stCondLst>
+                                  <p:childTnLst>
+                                    <p:set>
+                                      <p:cBhvr>
+                                        <p:cTn id="30" dur="1" fill="hold">
+                                          <p:stCondLst>
+                                            <p:cond delay="0"/>
+                                          </p:stCondLst>
+                                        </p:cTn>
+                                        <p:tgtEl>
+                                          <p:spTgt spid="3"/>
+                                        </p:tgtEl>
+                                        <p:attrNameLst>
+                                          <p:attrName>style.visibility</p:attrName>
+                                        </p:attrNameLst>
+                                      </p:cBhvr>
+                                      <p:to>
+                                        <p:strVal val="visible"/>
+                                      </p:to>
+                                    </p:set>
+                                  </p:childTnLst>
+                                </p:cTn>
+                              </p:par>
+                            </p:childTnLst>
+                          </p:cTn>
+                        </p:par>
+                      </p:childTnLst>
+                    </p:cTn>
+                  </p:par>
+                </p:childTnLst>
+              </p:cTn>
+              <p:prevCondLst>
+                <p:cond evt="onPrev" delay="0">
+                  <p:tgtEl>
+                    <p:sldTgt/>
+                  </p:tgtEl>
+                </p:cond>
+              </p:prevCondLst>
+              <p:nextCondLst>
+                <p:cond evt="onNext" delay="0">
+                  <p:tgtEl>
+                    <p:sldTgt/>
+                  </p:tgtEl>
+                </p:cond>
+              </p:nextCondLst>
+            </p:seq>
+          </p:childTnLst>
+        </p:cTn>
+      </p:par>
+    </p:tnLst>
+  </p:timing>
 </p:sld>
 </file>
 
@@ -9303,6 +9819,130 @@
               <a:buChar char="•"/>
             </a:pPr>
             <a:r>
+              <a:rPr lang="en-US" altLang="zh-CN" dirty="0">
+                <a:sym typeface="+mn-ea"/>
+              </a:rPr>
+              <a:t>Shader languages support for VS Code</a:t>
+            </a:r>
+            <a:r>
+              <a:rPr lang="zh-CN" altLang="en-US" dirty="0">
+                <a:sym typeface="+mn-ea"/>
+              </a:rPr>
+              <a:t>（高亮）</a:t>
+            </a:r>
+          </a:p>
+          <a:p>
+            <a:pPr lvl="0"/>
+            <a:br>
+              <a:rPr lang="en-US" altLang="zh-CN" dirty="0">
+                <a:sym typeface="+mn-ea"/>
+              </a:rPr>
+            </a:br>
+            <a:br>
+              <a:rPr dirty="0"/>
+            </a:br>
+            <a:br>
+              <a:rPr dirty="0"/>
+            </a:br>
+            <a:br>
+              <a:rPr lang="en-US" altLang="zh-CN" dirty="0"/>
+            </a:br>
+            <a:endParaRPr lang="en-US" altLang="zh-CN" dirty="0"/>
+          </a:p>
+          <a:p>
+            <a:pPr>
+              <a:buFont typeface="Arial" panose="020B0604020202020204" pitchFamily="34" charset="0"/>
+            </a:pPr>
+            <a:endParaRPr lang="en-US" altLang="zh-CN" dirty="0"/>
+          </a:p>
+          <a:p>
+            <a:pPr>
+              <a:buFont typeface="Arial" panose="020B0604020202020204" pitchFamily="34" charset="0"/>
+            </a:pPr>
+            <a:endParaRPr lang="zh-CN" altLang="en-US" dirty="0"/>
+          </a:p>
+          <a:p>
+            <a:endParaRPr lang="zh-CN" altLang="en-US" dirty="0"/>
+          </a:p>
+        </p:txBody>
+      </p:sp>
+    </p:spTree>
+    <p:custDataLst>
+      <p:tags r:id="rId1"/>
+    </p:custDataLst>
+  </p:cSld>
+  <p:clrMapOvr>
+    <a:masterClrMapping/>
+  </p:clrMapOvr>
+</p:sld>
+</file>
+
+<file path=ppt/slides/slide23.xml><?xml version="1.0" encoding="utf-8"?>
+<p:sld xmlns:a="http://schemas.openxmlformats.org/drawingml/2006/main" xmlns:r="http://schemas.openxmlformats.org/officeDocument/2006/relationships" xmlns:p="http://schemas.openxmlformats.org/presentationml/2006/main">
+  <p:cSld>
+    <p:spTree>
+      <p:nvGrpSpPr>
+        <p:cNvPr id="1" name=""/>
+        <p:cNvGrpSpPr/>
+        <p:nvPr/>
+      </p:nvGrpSpPr>
+      <p:grpSpPr>
+        <a:xfrm>
+          <a:off x="0" y="0"/>
+          <a:ext cx="0" cy="0"/>
+          <a:chOff x="0" y="0"/>
+          <a:chExt cx="0" cy="0"/>
+        </a:xfrm>
+      </p:grpSpPr>
+      <p:sp>
+        <p:nvSpPr>
+          <p:cNvPr id="2" name="标题 1"/>
+          <p:cNvSpPr>
+            <a:spLocks noGrp="1"/>
+          </p:cNvSpPr>
+          <p:nvPr>
+            <p:ph type="title"/>
+          </p:nvPr>
+        </p:nvSpPr>
+        <p:spPr/>
+        <p:txBody>
+          <a:bodyPr/>
+          <a:lstStyle/>
+          <a:p>
+            <a:r>
+              <a:rPr lang="zh-CN" altLang="en-US" dirty="0"/>
+              <a:t>任务</a:t>
+            </a:r>
+            <a:r>
+              <a:rPr lang="zh-CN" altLang="en-US" dirty="0">
+                <a:sym typeface="+mn-ea"/>
+              </a:rPr>
+              <a:t>：准备开发环境</a:t>
+            </a:r>
+            <a:endParaRPr lang="zh-CN" altLang="en-US" dirty="0"/>
+          </a:p>
+        </p:txBody>
+      </p:sp>
+      <p:sp>
+        <p:nvSpPr>
+          <p:cNvPr id="4" name="内容占位符 3"/>
+          <p:cNvSpPr>
+            <a:spLocks noGrp="1"/>
+          </p:cNvSpPr>
+          <p:nvPr>
+            <p:ph sz="half" idx="2"/>
+          </p:nvPr>
+        </p:nvSpPr>
+        <p:spPr/>
+        <p:txBody>
+          <a:bodyPr/>
+          <a:lstStyle/>
+          <a:p>
+            <a:pPr marL="285750" indent="-285750">
+              <a:buFont typeface="Arial" panose="020B0604020202020204" pitchFamily="34" charset="0"/>
+              <a:buChar char="•"/>
+            </a:pPr>
+            <a:r>
               <a:rPr lang="zh-CN" altLang="en-US" dirty="0"/>
               <a:t>Shaderc GLSL Linter（自动编译检查）</a:t>
             </a:r>
@@ -9315,25 +9955,33 @@
             </a:pPr>
             <a:r>
               <a:rPr lang="zh-CN" altLang="en-US" dirty="0">
-                <a:hlinkClick r:id="rId3" action="ppaction://hlinkfile"/>
+                <a:hlinkClick r:id="rId3"/>
               </a:rPr>
               <a:t>下载</a:t>
             </a:r>
             <a:r>
               <a:rPr lang="en-US" altLang="zh-CN" dirty="0">
-                <a:hlinkClick r:id="rId3" action="ppaction://hlinkfile"/>
+                <a:hlinkClick r:id="rId3"/>
               </a:rPr>
               <a:t>shaderc</a:t>
             </a:r>
             <a:r>
               <a:rPr dirty="0">
-                <a:hlinkClick r:id="rId3" action="ppaction://hlinkfile"/>
+                <a:hlinkClick r:id="rId3"/>
               </a:rPr>
               <a:t>，</a:t>
             </a:r>
             <a:r>
               <a:rPr dirty="0"/>
-              <a:t>选择windows，解压；</a:t>
+              <a:t>选择</a:t>
+            </a:r>
+            <a:r>
+              <a:rPr lang="zh-CN" altLang="en-US" dirty="0"/>
+              <a:t>对应的操作系统的版本</a:t>
+            </a:r>
+            <a:r>
+              <a:rPr dirty="0"/>
+              <a:t>，解压；</a:t>
             </a:r>
             <a:br>
               <a:rPr lang="en-US" dirty="0"/>
@@ -9366,9 +10014,6 @@
               <a:rPr lang="zh-CN" altLang="en-US" dirty="0"/>
               <a:t>，可以找到历史版本）</a:t>
             </a:r>
-            <a:br>
-              <a:rPr lang="en-US" dirty="0"/>
-            </a:br>
             <a:endParaRPr lang="en-US" dirty="0"/>
           </a:p>
           <a:p>
@@ -9439,6 +10084,44 @@
               <a:rPr dirty="0"/>
               <a:t>"glslcArgs": "--target-env=vulkan1.2",</a:t>
             </a:r>
+            <a:endParaRPr lang="en-US" dirty="0"/>
+          </a:p>
+          <a:p>
+            <a:pPr marL="742950" lvl="1" indent="-285750">
+              <a:buFont typeface="Arial" panose="020B0604020202020204" pitchFamily="34" charset="0"/>
+              <a:buChar char="•"/>
+            </a:pPr>
+            <a:r>
+              <a:rPr lang="zh-CN" altLang="en-US" dirty="0"/>
+              <a:t>验证：打开项目的</a:t>
+            </a:r>
+            <a:r>
+              <a:rPr lang="en" dirty="0" err="1"/>
+              <a:t>scene.vert</a:t>
+            </a:r>
+            <a:r>
+              <a:rPr lang="zh-CN" altLang="en-US" dirty="0"/>
+              <a:t>文件，随便写一些错误的</a:t>
+            </a:r>
+            <a:r>
+              <a:rPr lang="en" dirty="0" err="1"/>
+              <a:t>glsl</a:t>
+            </a:r>
+            <a:r>
+              <a:rPr lang="zh-CN" altLang="en-US" dirty="0"/>
+              <a:t>代码，应该会有红线出现，按</a:t>
+            </a:r>
+            <a:r>
+              <a:rPr lang="en" dirty="0"/>
+              <a:t>f8</a:t>
+            </a:r>
+            <a:r>
+              <a:rPr lang="zh-CN" altLang="en-US" dirty="0"/>
+              <a:t>后出现错误信息，如下图所示：</a:t>
+            </a:r>
+            <a:br>
+              <a:rPr lang="en-US" altLang="zh-CN" dirty="0"/>
+            </a:br>
             <a:br>
               <a:rPr dirty="0"/>
             </a:br>
@@ -9470,6 +10153,42 @@
           </a:p>
         </p:txBody>
       </p:sp>
+      <p:pic>
+        <p:nvPicPr>
+          <p:cNvPr id="3" name="图片 2">
+            <a:extLst>
+              <a:ext uri="{FF2B5EF4-FFF2-40B4-BE49-F238E27FC236}">
+                <a16:creationId xmlns:a16="http://schemas.microsoft.com/office/drawing/2014/main" id="{A232BC62-DCE6-4E5C-5548-0E1391A7C0BB}"/>
+              </a:ext>
+            </a:extLst>
+          </p:cNvPr>
+          <p:cNvPicPr>
+            <a:picLocks noChangeAspect="1"/>
+          </p:cNvPicPr>
+          <p:nvPr/>
+        </p:nvPicPr>
+        <p:blipFill>
+          <a:blip r:embed="rId6">
+            <a:extLst>
+              <a:ext uri="{28A0092B-C50C-407E-A947-70E740481C1C}">
+                <a14:useLocalDpi xmlns:a14="http://schemas.microsoft.com/office/drawing/2010/main" val="0"/>
+              </a:ext>
+            </a:extLst>
+          </a:blip>
+          <a:stretch>
+            <a:fillRect/>
+          </a:stretch>
+        </p:blipFill>
+        <p:spPr>
+          <a:xfrm>
+            <a:off x="4267200" y="4997450"/>
+            <a:ext cx="4152900" cy="1574675"/>
+          </a:xfrm>
+          <a:prstGeom prst="rect">
+            <a:avLst/>
+          </a:prstGeom>
+        </p:spPr>
+      </p:pic>
     </p:spTree>
     <p:custDataLst>
       <p:tags r:id="rId1"/>
@@ -9638,6 +10357,100 @@
                       </p:childTnLst>
                     </p:cTn>
                   </p:par>
+                  <p:par>
+                    <p:cTn id="15" fill="hold">
+                      <p:stCondLst>
+                        <p:cond delay="indefinite"/>
+                      </p:stCondLst>
+                      <p:childTnLst>
+                        <p:par>
+                          <p:cTn id="16" fill="hold">
+                            <p:stCondLst>
+                              <p:cond delay="0"/>
+                            </p:stCondLst>
+                            <p:childTnLst>
+                              <p:par>
+                                <p:cTn id="17" presetID="1" presetClass="entr" presetSubtype="0" fill="hold" nodeType="clickEffect">
+                                  <p:stCondLst>
+                                    <p:cond delay="0"/>
+                                  </p:stCondLst>
+                                  <p:childTnLst>
+                                    <p:set>
+                                      <p:cBhvr>
+                                        <p:cTn id="18" dur="1" fill="hold">
+                                          <p:stCondLst>
+                                            <p:cond delay="0"/>
+                                          </p:stCondLst>
+                                        </p:cTn>
+                                        <p:tgtEl>
+                                          <p:spTgt spid="4">
+                                            <p:txEl>
+                                              <p:pRg st="4" end="4"/>
+                                            </p:txEl>
+                                          </p:spTgt>
+                                        </p:tgtEl>
+                                        <p:attrNameLst>
+                                          <p:attrName>style.visibility</p:attrName>
+                                        </p:attrNameLst>
+                                      </p:cBhvr>
+                                      <p:to>
+                                        <p:strVal val="visible"/>
+                                      </p:to>
+                                    </p:set>
+                                  </p:childTnLst>
+                                </p:cTn>
+                              </p:par>
+                            </p:childTnLst>
+                          </p:cTn>
+                        </p:par>
+                      </p:childTnLst>
+                    </p:cTn>
+                  </p:par>
+                  <p:par>
+                    <p:cTn id="19" fill="hold">
+                      <p:stCondLst>
+                        <p:cond delay="indefinite"/>
+                      </p:stCondLst>
+                      <p:childTnLst>
+                        <p:par>
+                          <p:cTn id="20" fill="hold">
+                            <p:stCondLst>
+                              <p:cond delay="0"/>
+                            </p:stCondLst>
+                            <p:childTnLst>
+                              <p:par>
+                                <p:cTn id="21" presetID="1" presetClass="entr" presetSubtype="0" fill="hold" nodeType="clickEffect">
+                                  <p:stCondLst>
+                                    <p:cond delay="0"/>
+                                  </p:stCondLst>
+                                  <p:childTnLst>
+                                    <p:set>
+                                      <p:cBhvr>
+                                        <p:cTn id="22" dur="1" fill="hold">
+                                          <p:stCondLst>
+                                            <p:cond delay="0"/>
+                                          </p:stCondLst>
+                                        </p:cTn>
+                                        <p:tgtEl>
+                                          <p:spTgt spid="3"/>
+                                        </p:tgtEl>
+                                        <p:attrNameLst>
+                                          <p:attrName>style.visibility</p:attrName>
+                                        </p:attrNameLst>
+                                      </p:cBhvr>
+                                      <p:to>
+                                        <p:strVal val="visible"/>
+                                      </p:to>
+                                    </p:set>
+                                  </p:childTnLst>
+                                </p:cTn>
+                              </p:par>
+                            </p:childTnLst>
+                          </p:cTn>
+                        </p:par>
+                      </p:childTnLst>
+                    </p:cTn>
+                  </p:par>
                 </p:childTnLst>
               </p:cTn>
               <p:prevCondLst>
@@ -9663,7 +10476,7 @@
 </p:sld>
 </file>
 
-<file path=ppt/slides/slide23.xml><?xml version="1.0" encoding="utf-8"?>
+<file path=ppt/slides/slide24.xml><?xml version="1.0" encoding="utf-8"?>
 <p:sld xmlns:a="http://schemas.openxmlformats.org/drawingml/2006/main" xmlns:r="http://schemas.openxmlformats.org/officeDocument/2006/relationships" xmlns:p="http://schemas.openxmlformats.org/presentationml/2006/main">
   <p:cSld>
     <p:spTree>
@@ -9797,7 +10610,41 @@
             </a:r>
             <a:r>
               <a:rPr lang="en-US" altLang="zh-CN" dirty="0"/>
-              <a:t>/clang-format/bin/darwin_x64/clang-format"</a:t>
+              <a:t>/clang-format/bin/your-</a:t>
+            </a:r>
+            <a:r>
+              <a:rPr lang="en-US" altLang="zh-CN" dirty="0" err="1"/>
+              <a:t>os</a:t>
+            </a:r>
+            <a:r>
+              <a:rPr lang="en-US" altLang="zh-CN" dirty="0"/>
+              <a:t>-</a:t>
+            </a:r>
+            <a:r>
+              <a:rPr lang="en-US" altLang="zh-CN" dirty="0" err="1"/>
+              <a:t>dir</a:t>
+            </a:r>
+            <a:r>
+              <a:rPr lang="en-US" altLang="zh-CN" dirty="0"/>
+              <a:t>/clang-format”</a:t>
+            </a:r>
+          </a:p>
+          <a:p>
+            <a:pPr marL="742950" lvl="1" indent="-285750">
+              <a:buFont typeface="Arial" panose="020B0604020202020204" pitchFamily="34" charset="0"/>
+              <a:buChar char="•"/>
+            </a:pPr>
+            <a:r>
+              <a:rPr lang="zh-CN" altLang="en-US" dirty="0"/>
+              <a:t>验证：打开项目的</a:t>
+            </a:r>
+            <a:r>
+              <a:rPr lang="en" dirty="0" err="1"/>
+              <a:t>scene.vert</a:t>
+            </a:r>
+            <a:r>
+              <a:rPr lang="zh-CN" altLang="en-US" dirty="0"/>
+              <a:t>文件，把格式打乱（如缩进代码）；然后格式化代码，应该能够正确格式化</a:t>
             </a:r>
             <a:br>
               <a:rPr dirty="0"/>
@@ -9998,6 +10845,55 @@
                       </p:childTnLst>
                     </p:cTn>
                   </p:par>
+                  <p:par>
+                    <p:cTn id="15" fill="hold">
+                      <p:stCondLst>
+                        <p:cond delay="indefinite"/>
+                      </p:stCondLst>
+                      <p:childTnLst>
+                        <p:par>
+                          <p:cTn id="16" fill="hold">
+                            <p:stCondLst>
+                              <p:cond delay="0"/>
+                            </p:stCondLst>
+                            <p:childTnLst>
+                              <p:par>
+                                <p:cTn id="17" presetID="1" presetClass="entr" presetSubtype="0" fill="hold" nodeType="clickEffect">
+                                  <p:stCondLst>
+                                    <p:cond delay="0"/>
+                                  </p:stCondLst>
+                                  <p:childTnLst>
+                                    <p:set>
+                                      <p:cBhvr>
+                                        <p:cTn id="18" dur="1" fill="hold">
+                                          <p:stCondLst>
+                                            <p:cond delay="0"/>
+                                          </p:stCondLst>
+                                        </p:cTn>
+                                        <p:tgtEl>
+                                          <p:spTgt spid="4">
+                                            <p:txEl>
+                                              <p:pRg st="4" end="4"/>
+                                            </p:txEl>
+                                          </p:spTgt>
+                                        </p:tgtEl>
+                                        <p:attrNameLst>
+                                          <p:attrName>style.visibility</p:attrName>
+                                        </p:attrNameLst>
+                                      </p:cBhvr>
+                                      <p:to>
+                                        <p:strVal val="visible"/>
+                                      </p:to>
+                                    </p:set>
+                                  </p:childTnLst>
+                                </p:cTn>
+                              </p:par>
+                            </p:childTnLst>
+                          </p:cTn>
+                        </p:par>
+                      </p:childTnLst>
+                    </p:cTn>
+                  </p:par>
                 </p:childTnLst>
               </p:cTn>
               <p:prevCondLst>
@@ -10023,7 +10919,7 @@
 </p:sld>
 </file>
 
-<file path=ppt/slides/slide24.xml><?xml version="1.0" encoding="utf-8"?>
+<file path=ppt/slides/slide25.xml><?xml version="1.0" encoding="utf-8"?>
 <p:sld xmlns:a="http://schemas.openxmlformats.org/drawingml/2006/main" xmlns:r="http://schemas.openxmlformats.org/officeDocument/2006/relationships" xmlns:p="http://schemas.openxmlformats.org/presentationml/2006/main">
   <p:cSld>
     <p:spTree>
@@ -10108,7 +11004,7 @@
 </p:sld>
 </file>
 
-<file path=ppt/slides/slide25.xml><?xml version="1.0" encoding="utf-8"?>
+<file path=ppt/slides/slide26.xml><?xml version="1.0" encoding="utf-8"?>
 <p:sld xmlns:a="http://schemas.openxmlformats.org/drawingml/2006/main" xmlns:r="http://schemas.openxmlformats.org/officeDocument/2006/relationships" xmlns:p="http://schemas.openxmlformats.org/presentationml/2006/main">
   <p:cSld>
     <p:spTree>
@@ -10288,7 +11184,7 @@
 </p:sld>
 </file>
 
-<file path=ppt/slides/slide26.xml><?xml version="1.0" encoding="utf-8"?>
+<file path=ppt/slides/slide27.xml><?xml version="1.0" encoding="utf-8"?>
 <p:sld xmlns:a="http://schemas.openxmlformats.org/drawingml/2006/main" xmlns:r="http://schemas.openxmlformats.org/officeDocument/2006/relationships" xmlns:p="http://schemas.openxmlformats.org/presentationml/2006/main">
   <p:cSld>
     <p:spTree>
@@ -10578,7 +11474,7 @@
 </p:sld>
 </file>
 
-<file path=ppt/slides/slide27.xml><?xml version="1.0" encoding="utf-8"?>
+<file path=ppt/slides/slide28.xml><?xml version="1.0" encoding="utf-8"?>
 <p:sld xmlns:a="http://schemas.openxmlformats.org/drawingml/2006/main" xmlns:r="http://schemas.openxmlformats.org/officeDocument/2006/relationships" xmlns:p="http://schemas.openxmlformats.org/presentationml/2006/main">
   <p:cSld>
     <p:spTree>
@@ -10750,7 +11646,7 @@
 </p:sld>
 </file>
 
-<file path=ppt/slides/slide28.xml><?xml version="1.0" encoding="utf-8"?>
+<file path=ppt/slides/slide29.xml><?xml version="1.0" encoding="utf-8"?>
 <p:sld xmlns:a="http://schemas.openxmlformats.org/drawingml/2006/main" xmlns:r="http://schemas.openxmlformats.org/officeDocument/2006/relationships" xmlns:p="http://schemas.openxmlformats.org/presentationml/2006/main">
   <p:cSld>
     <p:spTree>
@@ -10807,415 +11703,6 @@
   <p:clrMapOvr>
     <a:masterClrMapping/>
   </p:clrMapOvr>
-</p:sld>
-</file>
-
-<file path=ppt/slides/slide29.xml><?xml version="1.0" encoding="utf-8"?>
-<p:sld xmlns:a="http://schemas.openxmlformats.org/drawingml/2006/main" xmlns:r="http://schemas.openxmlformats.org/officeDocument/2006/relationships" xmlns:p="http://schemas.openxmlformats.org/presentationml/2006/main">
-  <p:cSld>
-    <p:spTree>
-      <p:nvGrpSpPr>
-        <p:cNvPr id="1" name=""/>
-        <p:cNvGrpSpPr/>
-        <p:nvPr/>
-      </p:nvGrpSpPr>
-      <p:grpSpPr>
-        <a:xfrm>
-          <a:off x="0" y="0"/>
-          <a:ext cx="0" cy="0"/>
-          <a:chOff x="0" y="0"/>
-          <a:chExt cx="0" cy="0"/>
-        </a:xfrm>
-      </p:grpSpPr>
-      <p:sp>
-        <p:nvSpPr>
-          <p:cNvPr id="2" name="标题 1"/>
-          <p:cNvSpPr>
-            <a:spLocks noGrp="1"/>
-          </p:cNvSpPr>
-          <p:nvPr>
-            <p:ph type="title"/>
-          </p:nvPr>
-        </p:nvSpPr>
-        <p:spPr>
-          <a:xfrm>
-            <a:off x="838200" y="365125"/>
-            <a:ext cx="10515600" cy="1325563"/>
-          </a:xfrm>
-        </p:spPr>
-        <p:txBody>
-          <a:bodyPr>
-            <a:normAutofit/>
-          </a:bodyPr>
-          <a:lstStyle/>
-          <a:p>
-            <a:r>
-              <a:rPr lang="zh-CN" altLang="en-US" dirty="0">
-                <a:sym typeface="+mn-ea"/>
-              </a:rPr>
-              <a:t>任务</a:t>
-            </a:r>
-            <a:r>
-              <a:rPr dirty="0">
-                <a:sym typeface="+mn-ea"/>
-              </a:rPr>
-              <a:t>：使用</a:t>
-            </a:r>
-            <a:r>
-              <a:rPr lang="zh-CN" altLang="en-US" dirty="0">
-                <a:sym typeface="+mn-ea"/>
-              </a:rPr>
-              <a:t>光栅化管线</a:t>
-            </a:r>
-            <a:r>
-              <a:rPr dirty="0">
-                <a:sym typeface="+mn-ea"/>
-              </a:rPr>
-              <a:t>实现</a:t>
-            </a:r>
-            <a:r>
-              <a:rPr lang="en-US" altLang="zh-CN" dirty="0">
-                <a:sym typeface="+mn-ea"/>
-              </a:rPr>
-              <a:t>“</a:t>
-            </a:r>
-            <a:r>
-              <a:rPr dirty="0">
-                <a:sym typeface="+mn-ea"/>
-              </a:rPr>
-              <a:t>绘制一个三角形</a:t>
-            </a:r>
-            <a:r>
-              <a:rPr lang="en-US" altLang="zh-CN" dirty="0">
-                <a:sym typeface="+mn-ea"/>
-              </a:rPr>
-              <a:t>”</a:t>
-            </a:r>
-            <a:endParaRPr lang="zh-CN" dirty="0">
-              <a:sym typeface="+mn-ea"/>
-            </a:endParaRPr>
-          </a:p>
-        </p:txBody>
-      </p:sp>
-      <p:sp>
-        <p:nvSpPr>
-          <p:cNvPr id="3" name="内容占位符 2"/>
-          <p:cNvSpPr>
-            <a:spLocks noGrp="1"/>
-          </p:cNvSpPr>
-          <p:nvPr>
-            <p:ph idx="1"/>
-          </p:nvPr>
-        </p:nvSpPr>
-        <p:spPr/>
-        <p:txBody>
-          <a:bodyPr>
-            <a:normAutofit/>
-          </a:bodyPr>
-          <a:lstStyle/>
-          <a:p>
-            <a:r>
-              <a:rPr lang="zh-CN" altLang="en-US" dirty="0"/>
-              <a:t>请实现代码</a:t>
-            </a:r>
-            <a:endParaRPr lang="en-US" altLang="zh-CN" dirty="0"/>
-          </a:p>
-          <a:p>
-            <a:r>
-              <a:rPr lang="zh-CN" altLang="en-US" dirty="0"/>
-              <a:t>请每个同学运行代码，渲染出一个三角形</a:t>
-            </a:r>
-            <a:endParaRPr lang="en-US" altLang="zh-CN" dirty="0"/>
-          </a:p>
-          <a:p>
-            <a:r>
-              <a:rPr lang="zh-CN" altLang="en-US" dirty="0">
-                <a:sym typeface="+mn-ea"/>
-              </a:rPr>
-              <a:t>移植该程序到</a:t>
-            </a:r>
-            <a:r>
-              <a:rPr lang="en-US" altLang="zh-CN" dirty="0" err="1">
-                <a:sym typeface="+mn-ea"/>
-              </a:rPr>
-              <a:t>WebGPU</a:t>
-            </a:r>
-            <a:r>
-              <a:rPr lang="zh-CN" altLang="en-US" dirty="0">
-                <a:sym typeface="+mn-ea"/>
-              </a:rPr>
-              <a:t>标准需要哪些修改？</a:t>
-            </a:r>
-            <a:endParaRPr lang="zh-CN" altLang="en-US" dirty="0"/>
-          </a:p>
-          <a:p>
-            <a:endParaRPr lang="zh-CN" altLang="en-US" dirty="0"/>
-          </a:p>
-          <a:p>
-            <a:endParaRPr lang="zh-CN" altLang="en-US" dirty="0"/>
-          </a:p>
-        </p:txBody>
-      </p:sp>
-      <p:pic>
-        <p:nvPicPr>
-          <p:cNvPr id="4" name="图片 3" descr="视频封面">
-            <a:extLst>
-              <a:ext uri="{FF2B5EF4-FFF2-40B4-BE49-F238E27FC236}">
-                <a16:creationId xmlns:a16="http://schemas.microsoft.com/office/drawing/2014/main" id="{33592842-5C92-4E98-E112-47DAAFCD3080}"/>
-              </a:ext>
-            </a:extLst>
-          </p:cNvPr>
-          <p:cNvPicPr>
-            <a:picLocks noChangeAspect="1"/>
-          </p:cNvPicPr>
-          <p:nvPr/>
-        </p:nvPicPr>
-        <p:blipFill>
-          <a:blip r:embed="rId3"/>
-          <a:stretch>
-            <a:fillRect/>
-          </a:stretch>
-        </p:blipFill>
-        <p:spPr>
-          <a:xfrm>
-            <a:off x="6400165" y="2325211"/>
-            <a:ext cx="4173855" cy="3352165"/>
-          </a:xfrm>
-          <a:prstGeom prst="rect">
-            <a:avLst/>
-          </a:prstGeom>
-        </p:spPr>
-      </p:pic>
-    </p:spTree>
-    <p:custDataLst>
-      <p:tags r:id="rId1"/>
-    </p:custDataLst>
-  </p:cSld>
-  <p:clrMapOvr>
-    <a:masterClrMapping/>
-  </p:clrMapOvr>
-  <p:timing>
-    <p:tnLst>
-      <p:par>
-        <p:cTn id="1" dur="indefinite" restart="never" nodeType="tmRoot">
-          <p:childTnLst>
-            <p:seq concurrent="1" nextAc="seek">
-              <p:cTn id="2" dur="indefinite" nodeType="mainSeq">
-                <p:childTnLst>
-                  <p:par>
-                    <p:cTn id="3" fill="hold">
-                      <p:stCondLst>
-                        <p:cond delay="indefinite"/>
-                      </p:stCondLst>
-                      <p:childTnLst>
-                        <p:par>
-                          <p:cTn id="4" fill="hold">
-                            <p:stCondLst>
-                              <p:cond delay="0"/>
-                            </p:stCondLst>
-                            <p:childTnLst>
-                              <p:par>
-                                <p:cTn id="5" presetID="1" presetClass="entr" presetSubtype="0" fill="hold" nodeType="clickEffect">
-                                  <p:stCondLst>
-                                    <p:cond delay="0"/>
-                                  </p:stCondLst>
-                                  <p:childTnLst>
-                                    <p:set>
-                                      <p:cBhvr>
-                                        <p:cTn id="6" dur="1" fill="hold">
-                                          <p:stCondLst>
-                                            <p:cond delay="0"/>
-                                          </p:stCondLst>
-                                        </p:cTn>
-                                        <p:tgtEl>
-                                          <p:spTgt spid="3">
-                                            <p:txEl>
-                                              <p:pRg st="0" end="0"/>
-                                            </p:txEl>
-                                          </p:spTgt>
-                                        </p:tgtEl>
-                                        <p:attrNameLst>
-                                          <p:attrName>style.visibility</p:attrName>
-                                        </p:attrNameLst>
-                                      </p:cBhvr>
-                                      <p:to>
-                                        <p:strVal val="visible"/>
-                                      </p:to>
-                                    </p:set>
-                                  </p:childTnLst>
-                                </p:cTn>
-                              </p:par>
-                            </p:childTnLst>
-                          </p:cTn>
-                        </p:par>
-                      </p:childTnLst>
-                    </p:cTn>
-                  </p:par>
-                  <p:par>
-                    <p:cTn id="7" fill="hold">
-                      <p:stCondLst>
-                        <p:cond delay="indefinite"/>
-                      </p:stCondLst>
-                      <p:childTnLst>
-                        <p:par>
-                          <p:cTn id="8" fill="hold">
-                            <p:stCondLst>
-                              <p:cond delay="0"/>
-                            </p:stCondLst>
-                            <p:childTnLst>
-                              <p:par>
-                                <p:cTn id="9" presetID="1" presetClass="entr" presetSubtype="0" fill="hold" nodeType="clickEffect">
-                                  <p:stCondLst>
-                                    <p:cond delay="0"/>
-                                  </p:stCondLst>
-                                  <p:childTnLst>
-                                    <p:set>
-                                      <p:cBhvr>
-                                        <p:cTn id="10" dur="1" fill="hold">
-                                          <p:stCondLst>
-                                            <p:cond delay="0"/>
-                                          </p:stCondLst>
-                                        </p:cTn>
-                                        <p:tgtEl>
-                                          <p:spTgt spid="3">
-                                            <p:txEl>
-                                              <p:pRg st="1" end="1"/>
-                                            </p:txEl>
-                                          </p:spTgt>
-                                        </p:tgtEl>
-                                        <p:attrNameLst>
-                                          <p:attrName>style.visibility</p:attrName>
-                                        </p:attrNameLst>
-                                      </p:cBhvr>
-                                      <p:to>
-                                        <p:strVal val="visible"/>
-                                      </p:to>
-                                    </p:set>
-                                  </p:childTnLst>
-                                </p:cTn>
-                              </p:par>
-                            </p:childTnLst>
-                          </p:cTn>
-                        </p:par>
-                      </p:childTnLst>
-                    </p:cTn>
-                  </p:par>
-                  <p:par>
-                    <p:cTn id="11" fill="hold">
-                      <p:stCondLst>
-                        <p:cond delay="indefinite"/>
-                      </p:stCondLst>
-                      <p:childTnLst>
-                        <p:par>
-                          <p:cTn id="12" fill="hold">
-                            <p:stCondLst>
-                              <p:cond delay="0"/>
-                            </p:stCondLst>
-                            <p:childTnLst>
-                              <p:par>
-                                <p:cTn id="13" presetID="1" presetClass="entr" presetSubtype="0" fill="hold" nodeType="clickEffect">
-                                  <p:stCondLst>
-                                    <p:cond delay="0"/>
-                                  </p:stCondLst>
-                                  <p:childTnLst>
-                                    <p:set>
-                                      <p:cBhvr>
-                                        <p:cTn id="14" dur="1" fill="hold">
-                                          <p:stCondLst>
-                                            <p:cond delay="0"/>
-                                          </p:stCondLst>
-                                        </p:cTn>
-                                        <p:tgtEl>
-                                          <p:spTgt spid="4"/>
-                                        </p:tgtEl>
-                                        <p:attrNameLst>
-                                          <p:attrName>style.visibility</p:attrName>
-                                        </p:attrNameLst>
-                                      </p:cBhvr>
-                                      <p:to>
-                                        <p:strVal val="visible"/>
-                                      </p:to>
-                                    </p:set>
-                                  </p:childTnLst>
-                                </p:cTn>
-                              </p:par>
-                            </p:childTnLst>
-                          </p:cTn>
-                        </p:par>
-                      </p:childTnLst>
-                    </p:cTn>
-                  </p:par>
-                  <p:par>
-                    <p:cTn id="15" fill="hold">
-                      <p:stCondLst>
-                        <p:cond delay="indefinite"/>
-                      </p:stCondLst>
-                      <p:childTnLst>
-                        <p:par>
-                          <p:cTn id="16" fill="hold">
-                            <p:stCondLst>
-                              <p:cond delay="0"/>
-                            </p:stCondLst>
-                            <p:childTnLst>
-                              <p:par>
-                                <p:cTn id="17" presetID="1" presetClass="entr" presetSubtype="0" fill="hold" nodeType="clickEffect">
-                                  <p:stCondLst>
-                                    <p:cond delay="0"/>
-                                  </p:stCondLst>
-                                  <p:childTnLst>
-                                    <p:set>
-                                      <p:cBhvr>
-                                        <p:cTn id="18" dur="1" fill="hold">
-                                          <p:stCondLst>
-                                            <p:cond delay="0"/>
-                                          </p:stCondLst>
-                                        </p:cTn>
-                                        <p:tgtEl>
-                                          <p:spTgt spid="3">
-                                            <p:txEl>
-                                              <p:pRg st="2" end="2"/>
-                                            </p:txEl>
-                                          </p:spTgt>
-                                        </p:tgtEl>
-                                        <p:attrNameLst>
-                                          <p:attrName>style.visibility</p:attrName>
-                                        </p:attrNameLst>
-                                      </p:cBhvr>
-                                      <p:to>
-                                        <p:strVal val="visible"/>
-                                      </p:to>
-                                    </p:set>
-                                  </p:childTnLst>
-                                </p:cTn>
-                              </p:par>
-                            </p:childTnLst>
-                          </p:cTn>
-                        </p:par>
-                      </p:childTnLst>
-                    </p:cTn>
-                  </p:par>
-                </p:childTnLst>
-              </p:cTn>
-              <p:prevCondLst>
-                <p:cond evt="onPrev" delay="0">
-                  <p:tgtEl>
-                    <p:sldTgt/>
-                  </p:tgtEl>
-                </p:cond>
-              </p:prevCondLst>
-              <p:nextCondLst>
-                <p:cond evt="onNext" delay="0">
-                  <p:tgtEl>
-                    <p:sldTgt/>
-                  </p:tgtEl>
-                </p:cond>
-              </p:nextCondLst>
-            </p:seq>
-          </p:childTnLst>
-        </p:cTn>
-      </p:par>
-    </p:tnLst>
-  </p:timing>
 </p:sld>
 </file>
 
@@ -11940,6 +12427,415 @@
             <p:ph type="title"/>
           </p:nvPr>
         </p:nvSpPr>
+        <p:spPr>
+          <a:xfrm>
+            <a:off x="838200" y="365125"/>
+            <a:ext cx="10515600" cy="1325563"/>
+          </a:xfrm>
+        </p:spPr>
+        <p:txBody>
+          <a:bodyPr>
+            <a:normAutofit/>
+          </a:bodyPr>
+          <a:lstStyle/>
+          <a:p>
+            <a:r>
+              <a:rPr lang="zh-CN" altLang="en-US" dirty="0">
+                <a:sym typeface="+mn-ea"/>
+              </a:rPr>
+              <a:t>任务</a:t>
+            </a:r>
+            <a:r>
+              <a:rPr dirty="0">
+                <a:sym typeface="+mn-ea"/>
+              </a:rPr>
+              <a:t>：使用</a:t>
+            </a:r>
+            <a:r>
+              <a:rPr lang="zh-CN" altLang="en-US" dirty="0">
+                <a:sym typeface="+mn-ea"/>
+              </a:rPr>
+              <a:t>光栅化管线</a:t>
+            </a:r>
+            <a:r>
+              <a:rPr dirty="0">
+                <a:sym typeface="+mn-ea"/>
+              </a:rPr>
+              <a:t>实现</a:t>
+            </a:r>
+            <a:r>
+              <a:rPr lang="en-US" altLang="zh-CN" dirty="0">
+                <a:sym typeface="+mn-ea"/>
+              </a:rPr>
+              <a:t>“</a:t>
+            </a:r>
+            <a:r>
+              <a:rPr dirty="0">
+                <a:sym typeface="+mn-ea"/>
+              </a:rPr>
+              <a:t>绘制一个三角形</a:t>
+            </a:r>
+            <a:r>
+              <a:rPr lang="en-US" altLang="zh-CN" dirty="0">
+                <a:sym typeface="+mn-ea"/>
+              </a:rPr>
+              <a:t>”</a:t>
+            </a:r>
+            <a:endParaRPr lang="zh-CN" dirty="0">
+              <a:sym typeface="+mn-ea"/>
+            </a:endParaRPr>
+          </a:p>
+        </p:txBody>
+      </p:sp>
+      <p:sp>
+        <p:nvSpPr>
+          <p:cNvPr id="3" name="内容占位符 2"/>
+          <p:cNvSpPr>
+            <a:spLocks noGrp="1"/>
+          </p:cNvSpPr>
+          <p:nvPr>
+            <p:ph idx="1"/>
+          </p:nvPr>
+        </p:nvSpPr>
+        <p:spPr/>
+        <p:txBody>
+          <a:bodyPr>
+            <a:normAutofit/>
+          </a:bodyPr>
+          <a:lstStyle/>
+          <a:p>
+            <a:r>
+              <a:rPr lang="zh-CN" altLang="en-US" dirty="0"/>
+              <a:t>请实现代码</a:t>
+            </a:r>
+            <a:endParaRPr lang="en-US" altLang="zh-CN" dirty="0"/>
+          </a:p>
+          <a:p>
+            <a:r>
+              <a:rPr lang="zh-CN" altLang="en-US" dirty="0"/>
+              <a:t>请每个同学运行代码，渲染出一个三角形</a:t>
+            </a:r>
+            <a:endParaRPr lang="en-US" altLang="zh-CN" dirty="0"/>
+          </a:p>
+          <a:p>
+            <a:r>
+              <a:rPr lang="zh-CN" altLang="en-US" dirty="0">
+                <a:sym typeface="+mn-ea"/>
+              </a:rPr>
+              <a:t>移植该程序到</a:t>
+            </a:r>
+            <a:r>
+              <a:rPr lang="en-US" altLang="zh-CN" dirty="0" err="1">
+                <a:sym typeface="+mn-ea"/>
+              </a:rPr>
+              <a:t>WebGPU</a:t>
+            </a:r>
+            <a:r>
+              <a:rPr lang="zh-CN" altLang="en-US" dirty="0">
+                <a:sym typeface="+mn-ea"/>
+              </a:rPr>
+              <a:t>标准需要哪些修改？</a:t>
+            </a:r>
+            <a:endParaRPr lang="zh-CN" altLang="en-US" dirty="0"/>
+          </a:p>
+          <a:p>
+            <a:endParaRPr lang="zh-CN" altLang="en-US" dirty="0"/>
+          </a:p>
+          <a:p>
+            <a:endParaRPr lang="zh-CN" altLang="en-US" dirty="0"/>
+          </a:p>
+        </p:txBody>
+      </p:sp>
+      <p:pic>
+        <p:nvPicPr>
+          <p:cNvPr id="4" name="图片 3" descr="视频封面">
+            <a:extLst>
+              <a:ext uri="{FF2B5EF4-FFF2-40B4-BE49-F238E27FC236}">
+                <a16:creationId xmlns:a16="http://schemas.microsoft.com/office/drawing/2014/main" id="{33592842-5C92-4E98-E112-47DAAFCD3080}"/>
+              </a:ext>
+            </a:extLst>
+          </p:cNvPr>
+          <p:cNvPicPr>
+            <a:picLocks noChangeAspect="1"/>
+          </p:cNvPicPr>
+          <p:nvPr/>
+        </p:nvPicPr>
+        <p:blipFill>
+          <a:blip r:embed="rId3"/>
+          <a:stretch>
+            <a:fillRect/>
+          </a:stretch>
+        </p:blipFill>
+        <p:spPr>
+          <a:xfrm>
+            <a:off x="6400165" y="2325211"/>
+            <a:ext cx="4173855" cy="3352165"/>
+          </a:xfrm>
+          <a:prstGeom prst="rect">
+            <a:avLst/>
+          </a:prstGeom>
+        </p:spPr>
+      </p:pic>
+    </p:spTree>
+    <p:custDataLst>
+      <p:tags r:id="rId1"/>
+    </p:custDataLst>
+  </p:cSld>
+  <p:clrMapOvr>
+    <a:masterClrMapping/>
+  </p:clrMapOvr>
+  <p:timing>
+    <p:tnLst>
+      <p:par>
+        <p:cTn id="1" dur="indefinite" restart="never" nodeType="tmRoot">
+          <p:childTnLst>
+            <p:seq concurrent="1" nextAc="seek">
+              <p:cTn id="2" dur="indefinite" nodeType="mainSeq">
+                <p:childTnLst>
+                  <p:par>
+                    <p:cTn id="3" fill="hold">
+                      <p:stCondLst>
+                        <p:cond delay="indefinite"/>
+                      </p:stCondLst>
+                      <p:childTnLst>
+                        <p:par>
+                          <p:cTn id="4" fill="hold">
+                            <p:stCondLst>
+                              <p:cond delay="0"/>
+                            </p:stCondLst>
+                            <p:childTnLst>
+                              <p:par>
+                                <p:cTn id="5" presetID="1" presetClass="entr" presetSubtype="0" fill="hold" nodeType="clickEffect">
+                                  <p:stCondLst>
+                                    <p:cond delay="0"/>
+                                  </p:stCondLst>
+                                  <p:childTnLst>
+                                    <p:set>
+                                      <p:cBhvr>
+                                        <p:cTn id="6" dur="1" fill="hold">
+                                          <p:stCondLst>
+                                            <p:cond delay="0"/>
+                                          </p:stCondLst>
+                                        </p:cTn>
+                                        <p:tgtEl>
+                                          <p:spTgt spid="3">
+                                            <p:txEl>
+                                              <p:pRg st="0" end="0"/>
+                                            </p:txEl>
+                                          </p:spTgt>
+                                        </p:tgtEl>
+                                        <p:attrNameLst>
+                                          <p:attrName>style.visibility</p:attrName>
+                                        </p:attrNameLst>
+                                      </p:cBhvr>
+                                      <p:to>
+                                        <p:strVal val="visible"/>
+                                      </p:to>
+                                    </p:set>
+                                  </p:childTnLst>
+                                </p:cTn>
+                              </p:par>
+                            </p:childTnLst>
+                          </p:cTn>
+                        </p:par>
+                      </p:childTnLst>
+                    </p:cTn>
+                  </p:par>
+                  <p:par>
+                    <p:cTn id="7" fill="hold">
+                      <p:stCondLst>
+                        <p:cond delay="indefinite"/>
+                      </p:stCondLst>
+                      <p:childTnLst>
+                        <p:par>
+                          <p:cTn id="8" fill="hold">
+                            <p:stCondLst>
+                              <p:cond delay="0"/>
+                            </p:stCondLst>
+                            <p:childTnLst>
+                              <p:par>
+                                <p:cTn id="9" presetID="1" presetClass="entr" presetSubtype="0" fill="hold" nodeType="clickEffect">
+                                  <p:stCondLst>
+                                    <p:cond delay="0"/>
+                                  </p:stCondLst>
+                                  <p:childTnLst>
+                                    <p:set>
+                                      <p:cBhvr>
+                                        <p:cTn id="10" dur="1" fill="hold">
+                                          <p:stCondLst>
+                                            <p:cond delay="0"/>
+                                          </p:stCondLst>
+                                        </p:cTn>
+                                        <p:tgtEl>
+                                          <p:spTgt spid="3">
+                                            <p:txEl>
+                                              <p:pRg st="1" end="1"/>
+                                            </p:txEl>
+                                          </p:spTgt>
+                                        </p:tgtEl>
+                                        <p:attrNameLst>
+                                          <p:attrName>style.visibility</p:attrName>
+                                        </p:attrNameLst>
+                                      </p:cBhvr>
+                                      <p:to>
+                                        <p:strVal val="visible"/>
+                                      </p:to>
+                                    </p:set>
+                                  </p:childTnLst>
+                                </p:cTn>
+                              </p:par>
+                            </p:childTnLst>
+                          </p:cTn>
+                        </p:par>
+                      </p:childTnLst>
+                    </p:cTn>
+                  </p:par>
+                  <p:par>
+                    <p:cTn id="11" fill="hold">
+                      <p:stCondLst>
+                        <p:cond delay="indefinite"/>
+                      </p:stCondLst>
+                      <p:childTnLst>
+                        <p:par>
+                          <p:cTn id="12" fill="hold">
+                            <p:stCondLst>
+                              <p:cond delay="0"/>
+                            </p:stCondLst>
+                            <p:childTnLst>
+                              <p:par>
+                                <p:cTn id="13" presetID="1" presetClass="entr" presetSubtype="0" fill="hold" nodeType="clickEffect">
+                                  <p:stCondLst>
+                                    <p:cond delay="0"/>
+                                  </p:stCondLst>
+                                  <p:childTnLst>
+                                    <p:set>
+                                      <p:cBhvr>
+                                        <p:cTn id="14" dur="1" fill="hold">
+                                          <p:stCondLst>
+                                            <p:cond delay="0"/>
+                                          </p:stCondLst>
+                                        </p:cTn>
+                                        <p:tgtEl>
+                                          <p:spTgt spid="4"/>
+                                        </p:tgtEl>
+                                        <p:attrNameLst>
+                                          <p:attrName>style.visibility</p:attrName>
+                                        </p:attrNameLst>
+                                      </p:cBhvr>
+                                      <p:to>
+                                        <p:strVal val="visible"/>
+                                      </p:to>
+                                    </p:set>
+                                  </p:childTnLst>
+                                </p:cTn>
+                              </p:par>
+                            </p:childTnLst>
+                          </p:cTn>
+                        </p:par>
+                      </p:childTnLst>
+                    </p:cTn>
+                  </p:par>
+                  <p:par>
+                    <p:cTn id="15" fill="hold">
+                      <p:stCondLst>
+                        <p:cond delay="indefinite"/>
+                      </p:stCondLst>
+                      <p:childTnLst>
+                        <p:par>
+                          <p:cTn id="16" fill="hold">
+                            <p:stCondLst>
+                              <p:cond delay="0"/>
+                            </p:stCondLst>
+                            <p:childTnLst>
+                              <p:par>
+                                <p:cTn id="17" presetID="1" presetClass="entr" presetSubtype="0" fill="hold" nodeType="clickEffect">
+                                  <p:stCondLst>
+                                    <p:cond delay="0"/>
+                                  </p:stCondLst>
+                                  <p:childTnLst>
+                                    <p:set>
+                                      <p:cBhvr>
+                                        <p:cTn id="18" dur="1" fill="hold">
+                                          <p:stCondLst>
+                                            <p:cond delay="0"/>
+                                          </p:stCondLst>
+                                        </p:cTn>
+                                        <p:tgtEl>
+                                          <p:spTgt spid="3">
+                                            <p:txEl>
+                                              <p:pRg st="2" end="2"/>
+                                            </p:txEl>
+                                          </p:spTgt>
+                                        </p:tgtEl>
+                                        <p:attrNameLst>
+                                          <p:attrName>style.visibility</p:attrName>
+                                        </p:attrNameLst>
+                                      </p:cBhvr>
+                                      <p:to>
+                                        <p:strVal val="visible"/>
+                                      </p:to>
+                                    </p:set>
+                                  </p:childTnLst>
+                                </p:cTn>
+                              </p:par>
+                            </p:childTnLst>
+                          </p:cTn>
+                        </p:par>
+                      </p:childTnLst>
+                    </p:cTn>
+                  </p:par>
+                </p:childTnLst>
+              </p:cTn>
+              <p:prevCondLst>
+                <p:cond evt="onPrev" delay="0">
+                  <p:tgtEl>
+                    <p:sldTgt/>
+                  </p:tgtEl>
+                </p:cond>
+              </p:prevCondLst>
+              <p:nextCondLst>
+                <p:cond evt="onNext" delay="0">
+                  <p:tgtEl>
+                    <p:sldTgt/>
+                  </p:tgtEl>
+                </p:cond>
+              </p:nextCondLst>
+            </p:seq>
+          </p:childTnLst>
+        </p:cTn>
+      </p:par>
+    </p:tnLst>
+  </p:timing>
+</p:sld>
+</file>
+
+<file path=ppt/slides/slide31.xml><?xml version="1.0" encoding="utf-8"?>
+<p:sld xmlns:a="http://schemas.openxmlformats.org/drawingml/2006/main" xmlns:r="http://schemas.openxmlformats.org/officeDocument/2006/relationships" xmlns:p="http://schemas.openxmlformats.org/presentationml/2006/main">
+  <p:cSld>
+    <p:spTree>
+      <p:nvGrpSpPr>
+        <p:cNvPr id="1" name=""/>
+        <p:cNvGrpSpPr/>
+        <p:nvPr/>
+      </p:nvGrpSpPr>
+      <p:grpSpPr>
+        <a:xfrm>
+          <a:off x="0" y="0"/>
+          <a:ext cx="0" cy="0"/>
+          <a:chOff x="0" y="0"/>
+          <a:chExt cx="0" cy="0"/>
+        </a:xfrm>
+      </p:grpSpPr>
+      <p:sp>
+        <p:nvSpPr>
+          <p:cNvPr id="2" name="标题 1"/>
+          <p:cNvSpPr>
+            <a:spLocks noGrp="1"/>
+          </p:cNvSpPr>
+          <p:nvPr>
+            <p:ph type="title"/>
+          </p:nvPr>
+        </p:nvSpPr>
         <p:spPr/>
         <p:txBody>
           <a:bodyPr/>
@@ -11963,7 +12859,7 @@
 </p:sld>
 </file>
 
-<file path=ppt/slides/slide31.xml><?xml version="1.0" encoding="utf-8"?>
+<file path=ppt/slides/slide32.xml><?xml version="1.0" encoding="utf-8"?>
 <p:sld xmlns:a="http://schemas.openxmlformats.org/drawingml/2006/main" xmlns:r="http://schemas.openxmlformats.org/officeDocument/2006/relationships" xmlns:p="http://schemas.openxmlformats.org/presentationml/2006/main">
   <p:cSld>
     <p:spTree>
@@ -12254,102 +13150,6 @@
 </p:sld>
 </file>
 
-<file path=ppt/slides/slide32.xml><?xml version="1.0" encoding="utf-8"?>
-<p:sld xmlns:a="http://schemas.openxmlformats.org/drawingml/2006/main" xmlns:r="http://schemas.openxmlformats.org/officeDocument/2006/relationships" xmlns:p="http://schemas.openxmlformats.org/presentationml/2006/main">
-  <p:cSld>
-    <p:spTree>
-      <p:nvGrpSpPr>
-        <p:cNvPr id="1" name=""/>
-        <p:cNvGrpSpPr/>
-        <p:nvPr/>
-      </p:nvGrpSpPr>
-      <p:grpSpPr>
-        <a:xfrm>
-          <a:off x="0" y="0"/>
-          <a:ext cx="0" cy="0"/>
-          <a:chOff x="0" y="0"/>
-          <a:chExt cx="0" cy="0"/>
-        </a:xfrm>
-      </p:grpSpPr>
-      <p:sp>
-        <p:nvSpPr>
-          <p:cNvPr id="2" name="文本占位符 1"/>
-          <p:cNvSpPr>
-            <a:spLocks noGrp="1"/>
-          </p:cNvSpPr>
-          <p:nvPr>
-            <p:ph type="body" idx="1"/>
-          </p:nvPr>
-        </p:nvSpPr>
-        <p:spPr/>
-        <p:txBody>
-          <a:bodyPr/>
-          <a:lstStyle/>
-          <a:p>
-            <a:pPr marL="285750" indent="-285750">
-              <a:buFont typeface="Arial" panose="020B0604020202020204" pitchFamily="34" charset="0"/>
-              <a:buChar char="•"/>
-            </a:pPr>
-            <a:r>
-              <a:rPr>
-                <a:sym typeface="+mn-ea"/>
-                <a:hlinkClick r:id="rId3" action="ppaction://hlinkfile"/>
-              </a:rPr>
-              <a:t>WebGPU学习系列</a:t>
-            </a:r>
-          </a:p>
-          <a:p>
-            <a:pPr marL="285750" indent="-285750">
-              <a:buFont typeface="Arial" panose="020B0604020202020204" pitchFamily="34" charset="0"/>
-              <a:buChar char="•"/>
-            </a:pPr>
-            <a:r>
-              <a:rPr lang="zh-CN" altLang="en-US"/>
-              <a:t>《</a:t>
-            </a:r>
-            <a:r>
-              <a:rPr lang="en-US" altLang="zh-CN"/>
-              <a:t>WebGL</a:t>
-            </a:r>
-            <a:r>
-              <a:t>编程指南</a:t>
-            </a:r>
-            <a:r>
-              <a:rPr lang="zh-CN" altLang="en-US"/>
-              <a:t>》</a:t>
-            </a:r>
-          </a:p>
-          <a:p>
-            <a:pPr marL="285750" indent="-285750">
-              <a:buFont typeface="Arial" panose="020B0604020202020204" pitchFamily="34" charset="0"/>
-              <a:buChar char="•"/>
-            </a:pPr>
-            <a:r>
-              <a:rPr lang="en-US" altLang="zh-CN">
-                <a:hlinkClick r:id="rId4" action="ppaction://hlinkfile"/>
-              </a:rPr>
-              <a:t>WebGPU</a:t>
-            </a:r>
-            <a:r>
-              <a:rPr>
-                <a:hlinkClick r:id="rId4" action="ppaction://hlinkfile"/>
-              </a:rPr>
-              <a:t>规范</a:t>
-            </a:r>
-          </a:p>
-        </p:txBody>
-      </p:sp>
-    </p:spTree>
-    <p:custDataLst>
-      <p:tags r:id="rId1"/>
-    </p:custDataLst>
-  </p:cSld>
-  <p:clrMapOvr>
-    <a:masterClrMapping/>
-  </p:clrMapOvr>
-</p:sld>
-</file>
-
 <file path=ppt/slides/slide33.xml><?xml version="1.0" encoding="utf-8"?>
 <p:sld xmlns:a="http://schemas.openxmlformats.org/drawingml/2006/main" xmlns:r="http://schemas.openxmlformats.org/officeDocument/2006/relationships" xmlns:p="http://schemas.openxmlformats.org/presentationml/2006/main">
   <p:cSld>
@@ -12389,8 +13189,48 @@
             <a:r>
               <a:rPr>
                 <a:sym typeface="+mn-ea"/>
-              </a:rPr>
-              <a:t>无</a:t>
+                <a:hlinkClick r:id="rId3" action="ppaction://hlinkfile"/>
+              </a:rPr>
+              <a:t>WebGPU学习系列</a:t>
+            </a:r>
+          </a:p>
+          <a:p>
+            <a:pPr marL="285750" indent="-285750">
+              <a:buFont typeface="Arial" panose="020B0604020202020204" pitchFamily="34" charset="0"/>
+              <a:buChar char="•"/>
+            </a:pPr>
+            <a:r>
+              <a:rPr lang="zh-CN" altLang="en-US"/>
+              <a:t>《</a:t>
+            </a:r>
+            <a:r>
+              <a:rPr lang="en-US" altLang="zh-CN"/>
+              <a:t>WebGL</a:t>
+            </a:r>
+            <a:r>
+              <a:t>编程指南</a:t>
+            </a:r>
+            <a:r>
+              <a:rPr lang="zh-CN" altLang="en-US"/>
+              <a:t>》</a:t>
+            </a:r>
+          </a:p>
+          <a:p>
+            <a:pPr marL="285750" indent="-285750">
+              <a:buFont typeface="Arial" panose="020B0604020202020204" pitchFamily="34" charset="0"/>
+              <a:buChar char="•"/>
+            </a:pPr>
+            <a:r>
+              <a:rPr lang="en-US" altLang="zh-CN">
+                <a:hlinkClick r:id="rId4" action="ppaction://hlinkfile"/>
+              </a:rPr>
+              <a:t>WebGPU</a:t>
+            </a:r>
+            <a:r>
+              <a:rPr>
+                <a:hlinkClick r:id="rId4" action="ppaction://hlinkfile"/>
+              </a:rPr>
+              <a:t>规范</a:t>
             </a:r>
           </a:p>
         </p:txBody>
@@ -12438,35 +13278,15 @@
           <a:bodyPr/>
           <a:lstStyle/>
           <a:p>
-            <a:pPr marL="285750" lvl="0" indent="-285750">
+            <a:pPr marL="285750" indent="-285750">
               <a:buFont typeface="Arial" panose="020B0604020202020204" pitchFamily="34" charset="0"/>
               <a:buChar char="•"/>
             </a:pPr>
             <a:r>
-              <a:rPr lang="zh-CN" altLang="en-US" dirty="0"/>
-              <a:t>三角函数、向量和矩阵</a:t>
-            </a:r>
-          </a:p>
-        </p:txBody>
-      </p:sp>
-      <p:sp>
-        <p:nvSpPr>
-          <p:cNvPr id="3" name="标题 2"/>
-          <p:cNvSpPr>
-            <a:spLocks noGrp="1"/>
-          </p:cNvSpPr>
-          <p:nvPr>
-            <p:ph type="title"/>
-          </p:nvPr>
-        </p:nvSpPr>
-        <p:spPr/>
-        <p:txBody>
-          <a:bodyPr/>
-          <a:lstStyle/>
-          <a:p>
-            <a:r>
-              <a:rPr lang="zh-CN" altLang="en-US"/>
-              <a:t>下节课预告</a:t>
+              <a:rPr>
+                <a:sym typeface="+mn-ea"/>
+              </a:rPr>
+              <a:t>无</a:t>
             </a:r>
           </a:p>
         </p:txBody>
@@ -12501,6 +13321,82 @@
       </p:grpSpPr>
       <p:sp>
         <p:nvSpPr>
+          <p:cNvPr id="2" name="文本占位符 1"/>
+          <p:cNvSpPr>
+            <a:spLocks noGrp="1"/>
+          </p:cNvSpPr>
+          <p:nvPr>
+            <p:ph type="body" idx="1"/>
+          </p:nvPr>
+        </p:nvSpPr>
+        <p:spPr/>
+        <p:txBody>
+          <a:bodyPr/>
+          <a:lstStyle/>
+          <a:p>
+            <a:pPr marL="285750" lvl="0" indent="-285750">
+              <a:buFont typeface="Arial" panose="020B0604020202020204" pitchFamily="34" charset="0"/>
+              <a:buChar char="•"/>
+            </a:pPr>
+            <a:r>
+              <a:rPr lang="zh-CN" altLang="en-US" dirty="0"/>
+              <a:t>三角函数、向量和矩阵</a:t>
+            </a:r>
+          </a:p>
+        </p:txBody>
+      </p:sp>
+      <p:sp>
+        <p:nvSpPr>
+          <p:cNvPr id="3" name="标题 2"/>
+          <p:cNvSpPr>
+            <a:spLocks noGrp="1"/>
+          </p:cNvSpPr>
+          <p:nvPr>
+            <p:ph type="title"/>
+          </p:nvPr>
+        </p:nvSpPr>
+        <p:spPr/>
+        <p:txBody>
+          <a:bodyPr/>
+          <a:lstStyle/>
+          <a:p>
+            <a:r>
+              <a:rPr lang="zh-CN" altLang="en-US"/>
+              <a:t>下节课预告</a:t>
+            </a:r>
+          </a:p>
+        </p:txBody>
+      </p:sp>
+    </p:spTree>
+    <p:custDataLst>
+      <p:tags r:id="rId1"/>
+    </p:custDataLst>
+  </p:cSld>
+  <p:clrMapOvr>
+    <a:masterClrMapping/>
+  </p:clrMapOvr>
+</p:sld>
+</file>
+
+<file path=ppt/slides/slide36.xml><?xml version="1.0" encoding="utf-8"?>
+<p:sld xmlns:a="http://schemas.openxmlformats.org/drawingml/2006/main" xmlns:r="http://schemas.openxmlformats.org/officeDocument/2006/relationships" xmlns:p="http://schemas.openxmlformats.org/presentationml/2006/main">
+  <p:cSld>
+    <p:spTree>
+      <p:nvGrpSpPr>
+        <p:cNvPr id="1" name=""/>
+        <p:cNvGrpSpPr/>
+        <p:nvPr/>
+      </p:nvGrpSpPr>
+      <p:grpSpPr>
+        <a:xfrm>
+          <a:off x="0" y="0"/>
+          <a:ext cx="0" cy="0"/>
+          <a:chOff x="0" y="0"/>
+          <a:chExt cx="0" cy="0"/>
+        </a:xfrm>
+      </p:grpSpPr>
+      <p:sp>
+        <p:nvSpPr>
           <p:cNvPr id="2" name="标题 1"/>
           <p:cNvSpPr>
             <a:spLocks noGrp="1"/>
@@ -12537,7 +13433,7 @@
 </p:sld>
 </file>
 
-<file path=ppt/slides/slide36.xml><?xml version="1.0" encoding="utf-8"?>
+<file path=ppt/slides/slide37.xml><?xml version="1.0" encoding="utf-8"?>
 <p:sld xmlns:a="http://schemas.openxmlformats.org/drawingml/2006/main" xmlns:r="http://schemas.openxmlformats.org/officeDocument/2006/relationships" xmlns:p="http://schemas.openxmlformats.org/presentationml/2006/main">
   <p:cSld>
     <p:spTree>
@@ -12609,7 +13505,7 @@
 </p:sld>
 </file>
 
-<file path=ppt/slides/slide37.xml><?xml version="1.0" encoding="utf-8"?>
+<file path=ppt/slides/slide38.xml><?xml version="1.0" encoding="utf-8"?>
 <p:sld xmlns:a="http://schemas.openxmlformats.org/drawingml/2006/main" xmlns:r="http://schemas.openxmlformats.org/officeDocument/2006/relationships" xmlns:p="http://schemas.openxmlformats.org/presentationml/2006/main">
   <p:cSld>
     <p:spTree>
@@ -12945,12 +13841,12 @@
           <a:lstStyle/>
           <a:p>
             <a:r>
-              <a:rPr>
+              <a:rPr dirty="0">
                 <a:sym typeface="+mn-ea"/>
               </a:rPr>
               <a:t>为什么要学习本课</a:t>
             </a:r>
-            <a:endParaRPr lang="zh-CN" altLang="en-US"/>
+            <a:endParaRPr lang="zh-CN" altLang="en-US" dirty="0"/>
           </a:p>
         </p:txBody>
       </p:sp>
@@ -13244,26 +14140,23 @@
           <a:lstStyle/>
           <a:p>
             <a:r>
-              <a:rPr>
+              <a:rPr dirty="0">
                 <a:sym typeface="+mn-ea"/>
               </a:rPr>
               <a:t>主问题：</a:t>
             </a:r>
             <a:r>
-              <a:rPr lang="en-US">
+              <a:rPr lang="en-US" dirty="0" err="1">
                 <a:sym typeface="+mn-ea"/>
               </a:rPr>
               <a:t>WebGPU</a:t>
             </a:r>
             <a:r>
-              <a:rPr>
+              <a:rPr dirty="0">
                 <a:sym typeface="+mn-ea"/>
               </a:rPr>
               <a:t>是什么</a:t>
             </a:r>
-            <a:endParaRPr dirty="0">
-              <a:sym typeface="+mn-ea"/>
-            </a:endParaRPr>
           </a:p>
         </p:txBody>
       </p:sp>
@@ -13358,28 +14251,28 @@
           <a:p>
             <a:pPr lvl="0"/>
             <a:r>
-              <a:rPr lang="en-US" altLang="zh-CN">
+              <a:rPr lang="en-US" altLang="zh-CN" dirty="0" err="1">
                 <a:sym typeface="+mn-ea"/>
               </a:rPr>
               <a:t>WebGPU</a:t>
             </a:r>
             <a:r>
-              <a:rPr lang="zh-CN" altLang="en-US">
+              <a:rPr lang="zh-CN" altLang="en-US" dirty="0">
                 <a:sym typeface="+mn-ea"/>
               </a:rPr>
               <a:t>是什么？</a:t>
             </a:r>
-            <a:endParaRPr lang="zh-CN" altLang="en-US"/>
+            <a:endParaRPr lang="zh-CN" altLang="en-US" dirty="0"/>
           </a:p>
           <a:p>
             <a:pPr lvl="0"/>
             <a:r>
-              <a:rPr lang="zh-CN" altLang="en-US"/>
+              <a:rPr lang="zh-CN" altLang="en-US" dirty="0"/>
               <a:t>它有什么用？</a:t>
             </a:r>
           </a:p>
           <a:p>
-            <a:endParaRPr lang="zh-CN" altLang="en-US"/>
+            <a:endParaRPr lang="zh-CN" altLang="en-US" dirty="0"/>
           </a:p>
         </p:txBody>
       </p:sp>
@@ -13392,7 +14285,7 @@
         <p:spPr>
           <a:xfrm>
             <a:off x="7264400" y="1741805"/>
-            <a:ext cx="1994535" cy="368300"/>
+            <a:ext cx="3962400" cy="1754326"/>
           </a:xfrm>
           <a:prstGeom prst="rect">
             <a:avLst/>
@@ -13406,17 +14299,29 @@
           <a:lstStyle/>
           <a:p>
             <a:r>
-              <a:rPr lang="en-US" altLang="zh-CN"/>
+              <a:rPr lang="en-US" altLang="zh-CN" dirty="0"/>
               <a:t>Web</a:t>
             </a:r>
             <a:r>
-              <a:rPr lang="zh-CN" altLang="en-US"/>
+              <a:rPr lang="zh-CN" altLang="en-US" dirty="0"/>
               <a:t>端图形</a:t>
             </a:r>
             <a:r>
-              <a:rPr lang="en-US" altLang="zh-CN"/>
+              <a:rPr lang="en-US" altLang="zh-CN" dirty="0"/>
               <a:t>API</a:t>
             </a:r>
+          </a:p>
+          <a:p>
+            <a:endParaRPr lang="en-US" altLang="zh-CN" dirty="0"/>
+          </a:p>
+          <a:p>
+            <a:r>
+              <a:rPr lang="zh-CN" altLang="en-US" dirty="0"/>
+              <a:t>浏览器封装了现代图形API（Dx12、Vulkan、Metal），提供给Web 3D程序员WebGPU API。</a:t>
+            </a:r>
+          </a:p>
+          <a:p>
+            <a:endParaRPr lang="en-US" altLang="zh-CN" dirty="0"/>
           </a:p>
         </p:txBody>
       </p:sp>
@@ -13436,7 +14341,7 @@
         </p:blipFill>
         <p:spPr>
           <a:xfrm>
-            <a:off x="6421755" y="2327910"/>
+            <a:off x="2586355" y="4441428"/>
             <a:ext cx="4581525" cy="495300"/>
           </a:xfrm>
           <a:prstGeom prst="rect">
@@ -13661,14 +14566,11 @@
           <a:lstStyle/>
           <a:p>
             <a:r>
-              <a:rPr>
+              <a:rPr dirty="0">
                 <a:sym typeface="+mn-ea"/>
               </a:rPr>
               <a:t>主问题：如何渲染</a:t>
             </a:r>
-            <a:endParaRPr dirty="0">
-              <a:sym typeface="+mn-ea"/>
-            </a:endParaRPr>
           </a:p>
         </p:txBody>
       </p:sp>
@@ -13800,7 +14702,7 @@
           <a:lstStyle/>
           <a:p>
             <a:r>
-              <a:rPr lang="en-US" altLang="zh-CN"/>
+              <a:rPr lang="en-US" altLang="zh-CN" dirty="0"/>
               <a:t>GPU</a:t>
             </a:r>
           </a:p>
@@ -14079,6 +14981,15 @@
   <p:tag name="KSO_WM_UNIT_LAYERLEVEL" val="1"/>
   <p:tag name="KSO_WM_TAG_VERSION" val="1.0"/>
   <p:tag name="KSO_WM_BEAUTIFY_FLAG" val="#wm#"/>
+</p:tagLst>
+</file>
+
+<file path=ppt/tags/tag100.xml><?xml version="1.0" encoding="utf-8"?>
+<p:tagLst xmlns:a="http://schemas.openxmlformats.org/drawingml/2006/main" xmlns:r="http://schemas.openxmlformats.org/officeDocument/2006/relationships" xmlns:p="http://schemas.openxmlformats.org/presentationml/2006/main">
+  <p:tag name="KSO_WM_BEAUTIFY_FLAG" val="#wm#"/>
+  <p:tag name="KSO_WM_TEMPLATE_CATEGORY" val="custom"/>
+  <p:tag name="KSO_WM_TEMPLATE_INDEX" val="20187308"/>
+  <p:tag name="KSO_WM_SPECIAL_SOURCE" val="bdnull"/>
 </p:tagLst>
 </file>
 
@@ -15025,7 +15936,6 @@
   <p:tag name="KSO_WM_BEAUTIFY_FLAG" val="#wm#"/>
   <p:tag name="KSO_WM_TEMPLATE_CATEGORY" val="custom"/>
   <p:tag name="KSO_WM_TEMPLATE_INDEX" val="20187308"/>
-  <p:tag name="KSO_WM_SPECIAL_SOURCE" val="bdnull"/>
 </p:tagLst>
 </file>
 
@@ -15040,22 +15950,22 @@
 
 <file path=ppt/tags/tag87.xml><?xml version="1.0" encoding="utf-8"?>
 <p:tagLst xmlns:a="http://schemas.openxmlformats.org/drawingml/2006/main" xmlns:r="http://schemas.openxmlformats.org/officeDocument/2006/relationships" xmlns:p="http://schemas.openxmlformats.org/presentationml/2006/main">
+  <p:tag name="KSO_WM_BEAUTIFY_FLAG" val="#wm#"/>
+  <p:tag name="KSO_WM_TEMPLATE_CATEGORY" val="custom"/>
+  <p:tag name="KSO_WM_TEMPLATE_INDEX" val="20187308"/>
   <p:tag name="KSO_WM_SPECIAL_SOURCE" val="bdnull"/>
 </p:tagLst>
 </file>
 
 <file path=ppt/tags/tag88.xml><?xml version="1.0" encoding="utf-8"?>
 <p:tagLst xmlns:a="http://schemas.openxmlformats.org/drawingml/2006/main" xmlns:r="http://schemas.openxmlformats.org/officeDocument/2006/relationships" xmlns:p="http://schemas.openxmlformats.org/presentationml/2006/main">
-  <p:tag name="KSO_WM_UNIT_PLACING_PICTURE_USER_VIEWPORT" val="{&quot;height&quot;:4005,&quot;width&quot;:14715}"/>
+  <p:tag name="KSO_WM_SPECIAL_SOURCE" val="bdnull"/>
 </p:tagLst>
 </file>
 
 <file path=ppt/tags/tag89.xml><?xml version="1.0" encoding="utf-8"?>
 <p:tagLst xmlns:a="http://schemas.openxmlformats.org/drawingml/2006/main" xmlns:r="http://schemas.openxmlformats.org/officeDocument/2006/relationships" xmlns:p="http://schemas.openxmlformats.org/presentationml/2006/main">
-  <p:tag name="KSO_WM_BEAUTIFY_FLAG" val="#wm#"/>
-  <p:tag name="KSO_WM_TEMPLATE_CATEGORY" val="custom"/>
-  <p:tag name="KSO_WM_TEMPLATE_INDEX" val="20187308"/>
-  <p:tag name="KSO_WM_SPECIAL_SOURCE" val="bdnull"/>
+  <p:tag name="KSO_WM_UNIT_PLACING_PICTURE_USER_VIEWPORT" val="{&quot;height&quot;:4005,&quot;width&quot;:14715}"/>
 </p:tagLst>
 </file>
 
@@ -15083,15 +15993,15 @@
 
 <file path=ppt/tags/tag91.xml><?xml version="1.0" encoding="utf-8"?>
 <p:tagLst xmlns:a="http://schemas.openxmlformats.org/drawingml/2006/main" xmlns:r="http://schemas.openxmlformats.org/officeDocument/2006/relationships" xmlns:p="http://schemas.openxmlformats.org/presentationml/2006/main">
+  <p:tag name="KSO_WM_BEAUTIFY_FLAG" val="#wm#"/>
+  <p:tag name="KSO_WM_TEMPLATE_CATEGORY" val="custom"/>
+  <p:tag name="KSO_WM_TEMPLATE_INDEX" val="20187308"/>
   <p:tag name="KSO_WM_SPECIAL_SOURCE" val="bdnull"/>
 </p:tagLst>
 </file>
 
 <file path=ppt/tags/tag92.xml><?xml version="1.0" encoding="utf-8"?>
 <p:tagLst xmlns:a="http://schemas.openxmlformats.org/drawingml/2006/main" xmlns:r="http://schemas.openxmlformats.org/officeDocument/2006/relationships" xmlns:p="http://schemas.openxmlformats.org/presentationml/2006/main">
-  <p:tag name="KSO_WM_BEAUTIFY_FLAG" val="#wm#"/>
-  <p:tag name="KSO_WM_TEMPLATE_CATEGORY" val="custom"/>
-  <p:tag name="KSO_WM_TEMPLATE_INDEX" val="20187308"/>
   <p:tag name="KSO_WM_SPECIAL_SOURCE" val="bdnull"/>
 </p:tagLst>
 </file>

--- a/lessons/2_triangle/ppt/WebGPU介绍和使用光栅化管线绘制一个三角形.pptx
+++ b/lessons/2_triangle/ppt/WebGPU介绍和使用光栅化管线绘制一个三角形.pptx
@@ -12513,6 +12513,13 @@
           <a:p>
             <a:r>
               <a:rPr lang="zh-CN" altLang="en-US" dirty="0"/>
+              <a:t>介绍代码实现</a:t>
+            </a:r>
+            <a:endParaRPr lang="en-US" altLang="zh-CN" dirty="0"/>
+          </a:p>
+          <a:p>
+            <a:r>
+              <a:rPr lang="zh-CN" altLang="en-US" dirty="0"/>
               <a:t>请每个同学运行代码，渲染出一个三角形</a:t>
             </a:r>
             <a:endParaRPr lang="en-US" altLang="zh-CN" dirty="0"/>
@@ -12716,7 +12723,11 @@
                                           </p:stCondLst>
                                         </p:cTn>
                                         <p:tgtEl>
-                                          <p:spTgt spid="4"/>
+                                          <p:spTgt spid="3">
+                                            <p:txEl>
+                                              <p:pRg st="2" end="2"/>
+                                            </p:txEl>
+                                          </p:spTgt>
                                         </p:tgtEl>
                                         <p:attrNameLst>
                                           <p:attrName>style.visibility</p:attrName>
@@ -12761,9 +12772,54 @@
                                           </p:stCondLst>
                                         </p:cTn>
                                         <p:tgtEl>
+                                          <p:spTgt spid="4"/>
+                                        </p:tgtEl>
+                                        <p:attrNameLst>
+                                          <p:attrName>style.visibility</p:attrName>
+                                        </p:attrNameLst>
+                                      </p:cBhvr>
+                                      <p:to>
+                                        <p:strVal val="visible"/>
+                                      </p:to>
+                                    </p:set>
+                                  </p:childTnLst>
+                                </p:cTn>
+                              </p:par>
+                            </p:childTnLst>
+                          </p:cTn>
+                        </p:par>
+                      </p:childTnLst>
+                    </p:cTn>
+                  </p:par>
+                  <p:par>
+                    <p:cTn id="19" fill="hold">
+                      <p:stCondLst>
+                        <p:cond delay="indefinite"/>
+                      </p:stCondLst>
+                      <p:childTnLst>
+                        <p:par>
+                          <p:cTn id="20" fill="hold">
+                            <p:stCondLst>
+                              <p:cond delay="0"/>
+                            </p:stCondLst>
+                            <p:childTnLst>
+                              <p:par>
+                                <p:cTn id="21" presetID="1" presetClass="entr" presetSubtype="0" fill="hold" nodeType="clickEffect">
+                                  <p:stCondLst>
+                                    <p:cond delay="0"/>
+                                  </p:stCondLst>
+                                  <p:childTnLst>
+                                    <p:set>
+                                      <p:cBhvr>
+                                        <p:cTn id="22" dur="1" fill="hold">
+                                          <p:stCondLst>
+                                            <p:cond delay="0"/>
+                                          </p:stCondLst>
+                                        </p:cTn>
+                                        <p:tgtEl>
                                           <p:spTgt spid="3">
                                             <p:txEl>
-                                              <p:pRg st="2" end="2"/>
+                                              <p:pRg st="3" end="3"/>
                                             </p:txEl>
                                           </p:spTgt>
                                         </p:tgtEl>
@@ -13469,6 +13525,18 @@
               <a:buFont typeface="Arial" panose="020B0604020202020204" pitchFamily="34" charset="0"/>
               <a:buChar char="•"/>
             </a:pPr>
+            <a:r>
+              <a:rPr lang="zh-CN" altLang="en-US" dirty="0"/>
+              <a:t>课上</a:t>
+            </a:r>
+            <a:r>
+              <a:rPr lang="zh-CN" altLang="en" dirty="0"/>
+              <a:t>写</a:t>
+            </a:r>
+            <a:r>
+              <a:rPr lang="zh-CN" altLang="en-US" dirty="0"/>
+              <a:t>伪代码，课后写实际代码，下节课演示课后代码</a:t>
+            </a:r>
             <a:endParaRPr lang="en" altLang="zh-CN" dirty="0"/>
           </a:p>
         </p:txBody>
@@ -13489,6 +13557,7 @@
           <a:lstStyle/>
           <a:p>
             <a:r>
+              <a:rPr dirty="0"/>
               <a:t>问答</a:t>
             </a:r>
           </a:p>

--- a/lessons/2_triangle/ppt/WebGPU介绍和使用光栅化管线绘制一个三角形.pptx
+++ b/lessons/2_triangle/ppt/WebGPU介绍和使用光栅化管线绘制一个三角形.pptx
@@ -246,7 +246,7 @@
                 <a:latin typeface="微软雅黑" panose="020B0503020204020204" charset="-122"/>
                 <a:ea typeface="微软雅黑" panose="020B0503020204020204" charset="-122"/>
               </a:rPr>
-              <a:t>2022/11/29</a:t>
+              <a:t>2022/11/30</a:t>
             </a:fld>
             <a:endParaRPr lang="zh-CN" altLang="en-US">
               <a:latin typeface="微软雅黑" panose="020B0503020204020204" charset="-122"/>
@@ -429,7 +429,7 @@
           <a:p>
             <a:fld id="{1AC49D05-6128-4D0D-A32A-06A5E73B386C}" type="datetimeFigureOut">
               <a:rPr lang="zh-CN" altLang="en-US" smtClean="0"/>
-              <a:t>2022/11/29</a:t>
+              <a:t>2022/11/30</a:t>
             </a:fld>
             <a:endParaRPr lang="zh-CN" altLang="en-US"/>
           </a:p>
@@ -1044,7 +1044,7 @@
           <a:p>
             <a:fld id="{9EFD9D74-47D9-4702-A33C-335B63B48DBF}" type="datetimeFigureOut">
               <a:rPr lang="zh-CN" altLang="en-US" smtClean="0"/>
-              <a:t>2022/11/29</a:t>
+              <a:t>2022/11/30</a:t>
             </a:fld>
             <a:endParaRPr lang="zh-CN" altLang="en-US" dirty="0"/>
           </a:p>
@@ -1569,7 +1569,7 @@
           <a:p>
             <a:fld id="{760FBDFE-C587-4B4C-A407-44438C67B59E}" type="datetimeFigureOut">
               <a:rPr lang="zh-CN" altLang="en-US" smtClean="0"/>
-              <a:t>2022/11/29</a:t>
+              <a:t>2022/11/30</a:t>
             </a:fld>
             <a:endParaRPr lang="zh-CN" altLang="en-US"/>
           </a:p>
@@ -2317,7 +2317,7 @@
           <a:p>
             <a:fld id="{760FBDFE-C587-4B4C-A407-44438C67B59E}" type="datetimeFigureOut">
               <a:rPr lang="zh-CN" altLang="en-US" smtClean="0"/>
-              <a:t>2022/11/29</a:t>
+              <a:t>2022/11/30</a:t>
             </a:fld>
             <a:endParaRPr lang="zh-CN" altLang="en-US"/>
           </a:p>
@@ -2483,7 +2483,7 @@
           <a:p>
             <a:fld id="{760FBDFE-C587-4B4C-A407-44438C67B59E}" type="datetimeFigureOut">
               <a:rPr lang="zh-CN" altLang="en-US" smtClean="0"/>
-              <a:t>2022/11/29</a:t>
+              <a:t>2022/11/30</a:t>
             </a:fld>
             <a:endParaRPr lang="zh-CN" altLang="en-US"/>
           </a:p>
@@ -2597,7 +2597,7 @@
           <a:p>
             <a:fld id="{760FBDFE-C587-4B4C-A407-44438C67B59E}" type="datetimeFigureOut">
               <a:rPr lang="zh-CN" altLang="en-US" smtClean="0"/>
-              <a:t>2022/11/29</a:t>
+              <a:t>2022/11/30</a:t>
             </a:fld>
             <a:endParaRPr lang="zh-CN" altLang="en-US"/>
           </a:p>
@@ -2927,7 +2927,7 @@
           <a:p>
             <a:fld id="{9EFD9D74-47D9-4702-A33C-335B63B48DBF}" type="datetimeFigureOut">
               <a:rPr lang="zh-CN" altLang="en-US" smtClean="0"/>
-              <a:t>2022/11/29</a:t>
+              <a:t>2022/11/30</a:t>
             </a:fld>
             <a:endParaRPr lang="zh-CN" altLang="en-US" dirty="0"/>
           </a:p>
@@ -3236,7 +3236,7 @@
           <a:p>
             <a:fld id="{760FBDFE-C587-4B4C-A407-44438C67B59E}" type="datetimeFigureOut">
               <a:rPr lang="zh-CN" altLang="en-US" smtClean="0"/>
-              <a:t>2022/11/29</a:t>
+              <a:t>2022/11/30</a:t>
             </a:fld>
             <a:endParaRPr lang="zh-CN" altLang="en-US"/>
           </a:p>
@@ -3350,7 +3350,7 @@
           <a:p>
             <a:fld id="{760FBDFE-C587-4B4C-A407-44438C67B59E}" type="datetimeFigureOut">
               <a:rPr lang="zh-CN" altLang="en-US" smtClean="0"/>
-              <a:t>2022/11/29</a:t>
+              <a:t>2022/11/30</a:t>
             </a:fld>
             <a:endParaRPr lang="zh-CN" altLang="en-US"/>
           </a:p>
@@ -3588,7 +3588,7 @@
           <a:p>
             <a:fld id="{760FBDFE-C587-4B4C-A407-44438C67B59E}" type="datetimeFigureOut">
               <a:rPr lang="zh-CN" altLang="en-US" smtClean="0"/>
-              <a:t>2022/11/29</a:t>
+              <a:t>2022/11/30</a:t>
             </a:fld>
             <a:endParaRPr lang="zh-CN" altLang="en-US"/>
           </a:p>
@@ -3828,7 +3828,7 @@
           <a:p>
             <a:fld id="{82F288E0-7875-42C4-84C8-98DBBD3BF4D2}" type="datetimeFigureOut">
               <a:rPr lang="zh-CN" altLang="en-US" smtClean="0"/>
-              <a:t>2022/11/29</a:t>
+              <a:t>2022/11/30</a:t>
             </a:fld>
             <a:endParaRPr lang="zh-CN" altLang="en-US"/>
           </a:p>
@@ -4491,7 +4491,7 @@
           <a:p>
             <a:fld id="{760FBDFE-C587-4B4C-A407-44438C67B59E}" type="datetimeFigureOut">
               <a:rPr lang="zh-CN" altLang="en-US" smtClean="0"/>
-              <a:t>2022/11/29</a:t>
+              <a:t>2022/11/30</a:t>
             </a:fld>
             <a:endParaRPr lang="zh-CN" altLang="en-US"/>
           </a:p>
@@ -11037,7 +11037,7 @@
           <a:lstStyle/>
           <a:p>
             <a:r>
-              <a:rPr lang="zh-CN" altLang="en-US"/>
+              <a:rPr lang="zh-CN" altLang="en-US" dirty="0"/>
               <a:t>右手坐标系</a:t>
             </a:r>
           </a:p>
@@ -11059,18 +11059,18 @@
           <a:lstStyle/>
           <a:p>
             <a:r>
-              <a:rPr lang="en-US" altLang="zh-CN">
+              <a:rPr lang="en-US" altLang="zh-CN" dirty="0" err="1">
                 <a:sym typeface="+mn-ea"/>
               </a:rPr>
               <a:t>WebGPU</a:t>
             </a:r>
             <a:r>
-              <a:rPr>
+              <a:rPr dirty="0">
                 <a:sym typeface="+mn-ea"/>
               </a:rPr>
               <a:t>坐标系介绍</a:t>
             </a:r>
-            <a:endParaRPr lang="zh-CN" altLang="en-US"/>
+            <a:endParaRPr lang="zh-CN" altLang="en-US" dirty="0"/>
           </a:p>
         </p:txBody>
       </p:sp>
@@ -11548,7 +11548,7 @@
           <a:lstStyle/>
           <a:p>
             <a:r>
-              <a:rPr>
+              <a:rPr dirty="0">
                 <a:sym typeface="+mn-ea"/>
               </a:rPr>
               <a:t>结学</a:t>
@@ -13243,7 +13243,7 @@
               <a:buChar char="•"/>
             </a:pPr>
             <a:r>
-              <a:rPr>
+              <a:rPr dirty="0">
                 <a:sym typeface="+mn-ea"/>
                 <a:hlinkClick r:id="rId3" action="ppaction://hlinkfile"/>
               </a:rPr>
@@ -13256,18 +13256,19 @@
               <a:buChar char="•"/>
             </a:pPr>
             <a:r>
-              <a:rPr lang="zh-CN" altLang="en-US"/>
+              <a:rPr lang="zh-CN" altLang="en-US" dirty="0"/>
               <a:t>《</a:t>
             </a:r>
             <a:r>
-              <a:rPr lang="en-US" altLang="zh-CN"/>
+              <a:rPr lang="en-US" altLang="zh-CN" dirty="0"/>
               <a:t>WebGL</a:t>
             </a:r>
             <a:r>
+              <a:rPr dirty="0"/>
               <a:t>编程指南</a:t>
             </a:r>
             <a:r>
-              <a:rPr lang="zh-CN" altLang="en-US"/>
+              <a:rPr lang="zh-CN" altLang="en-US" dirty="0"/>
               <a:t>》</a:t>
             </a:r>
           </a:p>
@@ -13277,13 +13278,13 @@
               <a:buChar char="•"/>
             </a:pPr>
             <a:r>
-              <a:rPr lang="en-US" altLang="zh-CN">
+              <a:rPr lang="en-US" altLang="zh-CN" dirty="0">
                 <a:hlinkClick r:id="rId4" action="ppaction://hlinkfile"/>
               </a:rPr>
               <a:t>WebGPU</a:t>
             </a:r>
             <a:r>
-              <a:rPr>
+              <a:rPr dirty="0">
                 <a:hlinkClick r:id="rId4" action="ppaction://hlinkfile"/>
               </a:rPr>
               <a:t>规范</a:t>
